--- a/Presentation/Devtest-Labs/Azure Dev Test Labs.pptx
+++ b/Presentation/Devtest-Labs/Azure Dev Test Labs.pptx
@@ -232,7 +232,7 @@
           <a:p>
             <a:fld id="{78D5E657-C75E-4190-B3C3-105C9C4260DF}" type="datetimeFigureOut">
               <a:rPr lang="en-AU" smtClean="0"/>
-              <a:t>5/05/2016</a:t>
+              <a:t>9/05/2016</a:t>
             </a:fld>
             <a:endParaRPr lang="en-AU"/>
           </a:p>
@@ -397,7 +397,7 @@
           <a:p>
             <a:fld id="{B2842A88-9C46-4A82-BC64-6521039314F7}" type="datetimeFigureOut">
               <a:rPr lang="en-AU" smtClean="0"/>
-              <a:t>5/05/2016</a:t>
+              <a:t>9/05/2016</a:t>
             </a:fld>
             <a:endParaRPr lang="en-AU"/>
           </a:p>
@@ -837,7 +837,7 @@
                 </a:solidFill>
               </a:rPr>
               <a:pPr/>
-              <a:t>5/5/2016</a:t>
+              <a:t>5/9/2016</a:t>
             </a:fld>
             <a:endParaRPr lang="en-US">
               <a:solidFill>
@@ -1028,7 +1028,7 @@
           <a:p>
             <a:fld id="{2AB80E0E-1F2C-4E6E-B168-928DCCD9FC96}" type="datetime1">
               <a:rPr lang="en-AU" smtClean="0"/>
-              <a:t>5/05/2016</a:t>
+              <a:t>9/05/2016</a:t>
             </a:fld>
             <a:endParaRPr lang="en-AU"/>
           </a:p>
@@ -1202,7 +1202,7 @@
           <a:p>
             <a:fld id="{1695342B-6DF4-46BE-B3B0-0C35B6698BA5}" type="datetime1">
               <a:rPr lang="en-AU" smtClean="0"/>
-              <a:t>5/05/2016</a:t>
+              <a:t>9/05/2016</a:t>
             </a:fld>
             <a:endParaRPr lang="en-AU"/>
           </a:p>
@@ -1628,7 +1628,7 @@
             <a:fld id="{2AB80E0E-1F2C-4E6E-B168-928DCCD9FC96}" type="datetime1">
               <a:rPr lang="en-AU" smtClean="0"/>
               <a:pPr/>
-              <a:t>5/05/2016</a:t>
+              <a:t>9/05/2016</a:t>
             </a:fld>
             <a:endParaRPr lang="en-AU"/>
           </a:p>
@@ -3363,7 +3363,7 @@
           <a:p>
             <a:fld id="{420BB56F-B44B-46AA-97B1-CA041AECB16C}" type="datetime1">
               <a:rPr lang="en-AU" smtClean="0"/>
-              <a:t>5/05/2016</a:t>
+              <a:t>9/05/2016</a:t>
             </a:fld>
             <a:endParaRPr lang="en-AU"/>
           </a:p>
@@ -3776,7 +3776,7 @@
           <a:p>
             <a:fld id="{94480E61-56EE-4ADF-8779-ECE37FDE8329}" type="datetime1">
               <a:rPr lang="en-AU" smtClean="0"/>
-              <a:t>5/05/2016</a:t>
+              <a:t>9/05/2016</a:t>
             </a:fld>
             <a:endParaRPr lang="en-AU"/>
           </a:p>
@@ -4187,7 +4187,7 @@
             <a:fld id="{D5202F35-1E60-44E7-A8CA-65A043171768}" type="datetime1">
               <a:rPr lang="en-AU" smtClean="0"/>
               <a:pPr/>
-              <a:t>5/05/2016</a:t>
+              <a:t>9/05/2016</a:t>
             </a:fld>
             <a:endParaRPr lang="en-AU"/>
           </a:p>
@@ -4663,7 +4663,7 @@
           <a:p>
             <a:fld id="{18DF6330-03F8-4D88-A646-B563CDC9AF8D}" type="datetime1">
               <a:rPr lang="en-AU" smtClean="0"/>
-              <a:t>5/05/2016</a:t>
+              <a:t>9/05/2016</a:t>
             </a:fld>
             <a:endParaRPr lang="en-AU"/>
           </a:p>
@@ -5011,7 +5011,7 @@
           <a:p>
             <a:fld id="{D0044588-2A83-44A9-A3CC-C3B7B17A5165}" type="datetime1">
               <a:rPr lang="en-AU" smtClean="0"/>
-              <a:t>5/05/2016</a:t>
+              <a:t>9/05/2016</a:t>
             </a:fld>
             <a:endParaRPr lang="en-AU"/>
           </a:p>
@@ -5445,7 +5445,7 @@
           <a:p>
             <a:fld id="{41D22EE6-4B31-412E-8723-91D4ADC54A19}" type="datetime1">
               <a:rPr lang="en-AU" smtClean="0"/>
-              <a:t>5/05/2016</a:t>
+              <a:t>9/05/2016</a:t>
             </a:fld>
             <a:endParaRPr lang="en-AU"/>
           </a:p>
@@ -5793,7 +5793,7 @@
           <a:p>
             <a:fld id="{DA261D82-8DC8-458B-8902-24081A8340A2}" type="datetime1">
               <a:rPr lang="en-AU" smtClean="0"/>
-              <a:t>5/05/2016</a:t>
+              <a:t>9/05/2016</a:t>
             </a:fld>
             <a:endParaRPr lang="en-AU"/>
           </a:p>
@@ -6024,7 +6024,7 @@
           <a:p>
             <a:fld id="{D0C959DE-A79C-459E-8034-77D6B0EBD4F3}" type="datetime1">
               <a:rPr lang="en-AU" smtClean="0"/>
-              <a:t>5/05/2016</a:t>
+              <a:t>9/05/2016</a:t>
             </a:fld>
             <a:endParaRPr lang="en-AU"/>
           </a:p>
@@ -6259,7 +6259,7 @@
           <a:p>
             <a:fld id="{1695342B-6DF4-46BE-B3B0-0C35B6698BA5}" type="datetime1">
               <a:rPr lang="en-AU" smtClean="0"/>
-              <a:t>5/05/2016</a:t>
+              <a:t>9/05/2016</a:t>
             </a:fld>
             <a:endParaRPr lang="en-AU"/>
           </a:p>
@@ -6490,7 +6490,7 @@
           <a:p>
             <a:fld id="{5DF3D236-8947-4982-93B0-9FCFCBDDAAAA}" type="datetime1">
               <a:rPr lang="en-AU" smtClean="0"/>
-              <a:t>5/05/2016</a:t>
+              <a:t>9/05/2016</a:t>
             </a:fld>
             <a:endParaRPr lang="en-AU"/>
           </a:p>
@@ -6721,7 +6721,7 @@
           <a:p>
             <a:fld id="{07585B30-36BA-40E4-B8EC-C9A276584755}" type="datetime1">
               <a:rPr lang="en-AU" smtClean="0"/>
-              <a:t>5/05/2016</a:t>
+              <a:t>9/05/2016</a:t>
             </a:fld>
             <a:endParaRPr lang="en-AU"/>
           </a:p>
@@ -6952,7 +6952,7 @@
           <a:p>
             <a:fld id="{0101A2FF-CDC1-40C1-873E-97295C411EAE}" type="datetime1">
               <a:rPr lang="en-AU" smtClean="0"/>
-              <a:t>5/05/2016</a:t>
+              <a:t>9/05/2016</a:t>
             </a:fld>
             <a:endParaRPr lang="en-AU"/>
           </a:p>
@@ -7183,7 +7183,7 @@
           <a:p>
             <a:fld id="{BA96EB8D-2F5F-4C3C-9779-37FE3E8D3195}" type="datetime1">
               <a:rPr lang="en-AU" smtClean="0"/>
-              <a:t>5/05/2016</a:t>
+              <a:t>9/05/2016</a:t>
             </a:fld>
             <a:endParaRPr lang="en-AU"/>
           </a:p>
@@ -7575,7 +7575,7 @@
           <a:p>
             <a:fld id="{7C98056B-DCE9-4980-AB4F-9933835EDDF0}" type="datetime1">
               <a:rPr lang="en-AU" smtClean="0"/>
-              <a:t>5/05/2016</a:t>
+              <a:t>9/05/2016</a:t>
             </a:fld>
             <a:endParaRPr lang="en-AU"/>
           </a:p>
@@ -7810,7 +7810,7 @@
           <a:p>
             <a:fld id="{C6CAFF4A-1ACD-4FAE-A33D-FFAFDD26098E}" type="datetime1">
               <a:rPr lang="en-AU" smtClean="0"/>
-              <a:t>5/05/2016</a:t>
+              <a:t>9/05/2016</a:t>
             </a:fld>
             <a:endParaRPr lang="en-AU"/>
           </a:p>
@@ -8041,7 +8041,7 @@
           <a:p>
             <a:fld id="{204F744D-E263-4258-9535-CA1100C058C5}" type="datetime1">
               <a:rPr lang="en-AU" smtClean="0"/>
-              <a:t>5/05/2016</a:t>
+              <a:t>9/05/2016</a:t>
             </a:fld>
             <a:endParaRPr lang="en-AU"/>
           </a:p>
@@ -8272,7 +8272,7 @@
           <a:p>
             <a:fld id="{E19FA2E3-1277-4A05-A117-6DAAA0A59214}" type="datetime1">
               <a:rPr lang="en-AU" smtClean="0"/>
-              <a:t>5/05/2016</a:t>
+              <a:t>9/05/2016</a:t>
             </a:fld>
             <a:endParaRPr lang="en-AU"/>
           </a:p>
@@ -8503,7 +8503,7 @@
           <a:p>
             <a:fld id="{CD818C87-C82A-4436-B0CF-391780521B37}" type="datetime1">
               <a:rPr lang="en-AU" smtClean="0"/>
-              <a:t>5/05/2016</a:t>
+              <a:t>9/05/2016</a:t>
             </a:fld>
             <a:endParaRPr lang="en-AU"/>
           </a:p>
@@ -8734,7 +8734,7 @@
           <a:p>
             <a:fld id="{FAE3E39A-5791-4850-A246-16D6E2F6AEB6}" type="datetime1">
               <a:rPr lang="en-AU" smtClean="0"/>
-              <a:t>5/05/2016</a:t>
+              <a:t>9/05/2016</a:t>
             </a:fld>
             <a:endParaRPr lang="en-AU"/>
           </a:p>
@@ -10071,7 +10071,7 @@
           <a:p>
             <a:fld id="{81365592-B95A-4E1B-8688-B9BAC9237151}" type="datetime1">
               <a:rPr lang="en-AU" smtClean="0"/>
-              <a:t>5/05/2016</a:t>
+              <a:t>9/05/2016</a:t>
             </a:fld>
             <a:endParaRPr lang="en-AU"/>
           </a:p>
@@ -10860,7 +10860,7 @@
           <a:p>
             <a:fld id="{AD4CC7D5-0035-4193-9F83-5592C7C73289}" type="datetime1">
               <a:rPr lang="en-AU" smtClean="0"/>
-              <a:t>5/05/2016</a:t>
+              <a:t>9/05/2016</a:t>
             </a:fld>
             <a:endParaRPr lang="en-AU"/>
           </a:p>
@@ -13582,7 +13582,7 @@
           <a:p>
             <a:fld id="{AB9362CC-52A7-47E4-B186-2D952EF52122}" type="datetime1">
               <a:rPr lang="en-AU" smtClean="0"/>
-              <a:t>5/05/2016</a:t>
+              <a:t>9/05/2016</a:t>
             </a:fld>
             <a:endParaRPr lang="en-AU"/>
           </a:p>
@@ -13680,7 +13680,7 @@
           <a:p>
             <a:fld id="{F27C2E27-7A8C-4707-AD07-B4E8FCCC602F}" type="datetime1">
               <a:rPr lang="en-AU" smtClean="0"/>
-              <a:t>5/05/2016</a:t>
+              <a:t>9/05/2016</a:t>
             </a:fld>
             <a:endParaRPr lang="en-AU"/>
           </a:p>
@@ -13808,7 +13808,7 @@
           <a:p>
             <a:fld id="{3345A4CD-9276-444C-86E6-50A9930741D5}" type="datetime1">
               <a:rPr lang="en-AU" smtClean="0"/>
-              <a:t>5/05/2016</a:t>
+              <a:t>9/05/2016</a:t>
             </a:fld>
             <a:endParaRPr lang="en-AU"/>
           </a:p>
@@ -14175,7 +14175,7 @@
             <a:fld id="{094FD292-6CBB-42F0-8BF6-EA5D415F7BA5}" type="datetime1">
               <a:rPr lang="en-AU" smtClean="0"/>
               <a:pPr/>
-              <a:t>5/05/2016</a:t>
+              <a:t>9/05/2016</a:t>
             </a:fld>
             <a:endParaRPr lang="en-AU" dirty="0"/>
           </a:p>
@@ -14779,7 +14779,10 @@
           <a:bodyPr/>
           <a:lstStyle/>
           <a:p>
-            <a:endParaRPr lang="en-AU"/>
+            <a:r>
+              <a:rPr lang="en-AU" dirty="0"/>
+              <a:t>Himanshu Desai (Principal Consultant, Readify)</a:t>
+            </a:r>
           </a:p>
         </p:txBody>
       </p:sp>
@@ -16256,13 +16259,13 @@
 
 <file path=customXml/item1.xml><?xml version="1.0" encoding="utf-8"?>
 <Control xmlns="http://schemas.microsoft.com/VisualStudio/2011/storyboarding/control">
-  <Id Name="System.Storyboarding.Common.CheckBoxChecked" Revision="1" Stencil="System.Storyboarding.Common" StencilVersion="0.1"/>
+  <Id Name="System.Storyboarding.Metro.MetroTileMedium" Revision="1" Stencil="System.Storyboarding.Metro" StencilVersion="0.1"/>
 </Control>
 </file>
 
 <file path=customXml/item10.xml><?xml version="1.0" encoding="utf-8"?>
 <Control xmlns="http://schemas.microsoft.com/VisualStudio/2011/storyboarding/control">
-  <Id Name="9b02dc29-9bf5-4f5a-b3db-dbeef4261eba" RevisionId="83beb46c-889f-4d61-9758-0556245306c8" Stencil="172d6d98-e5c9-42e9-a209-79f7a94bbd38" StencilRevisionId="00000000-0000-0000-0000-000000000000" StencilVersion="0.0"/>
+  <Id Name="System.Storyboarding.Metro.MetroTileMedium" Revision="1" Stencil="System.Storyboarding.Metro" StencilVersion="0.1"/>
 </Control>
 </file>
 
@@ -16286,7 +16289,7 @@
 
 <file path=customXml/item14.xml><?xml version="1.0" encoding="utf-8"?>
 <Control xmlns="http://schemas.microsoft.com/VisualStudio/2011/storyboarding/control">
-  <Id Name="System.Storyboarding.MetroIcons.Settings" Revision="1" Stencil="System.Storyboarding.MetroIcons" StencilVersion="0.1"/>
+  <Id Name="System.Storyboarding.Common.MousePointer" Revision="1" Stencil="System.Storyboarding.Common" StencilVersion="0.1"/>
 </Control>
 </file>
 
@@ -16298,19 +16301,19 @@
 
 <file path=customXml/item16.xml><?xml version="1.0" encoding="utf-8"?>
 <Control xmlns="http://schemas.microsoft.com/VisualStudio/2011/storyboarding/control">
+  <Id Name="System.Storyboarding.MetroIcons.Settings" Revision="1" Stencil="System.Storyboarding.MetroIcons" StencilVersion="0.1"/>
+</Control>
+</file>
+
+<file path=customXml/item17.xml><?xml version="1.0" encoding="utf-8"?>
+<Control xmlns="http://schemas.microsoft.com/VisualStudio/2011/storyboarding/control">
   <Id Name="9b02dc29-9bf5-4f5a-b3db-dbeef4261eba" RevisionId="83beb46c-889f-4d61-9758-0556245306c8" Stencil="172d6d98-e5c9-42e9-a209-79f7a94bbd38" StencilRevisionId="00000000-0000-0000-0000-000000000000" StencilVersion="0.0"/>
 </Control>
 </file>
 
-<file path=customXml/item17.xml><?xml version="1.0" encoding="utf-8"?>
-<Control xmlns="http://schemas.microsoft.com/VisualStudio/2011/storyboarding/control">
-  <Id Name="System.Storyboarding.Metro.MetroTileMedium" Revision="1" Stencil="System.Storyboarding.Metro" StencilVersion="0.1"/>
-</Control>
-</file>
-
 <file path=customXml/item18.xml><?xml version="1.0" encoding="utf-8"?>
 <Control xmlns="http://schemas.microsoft.com/VisualStudio/2011/storyboarding/control">
-  <Id Name="System.Storyboarding.Metro.MetroTileMedium" Revision="1" Stencil="System.Storyboarding.Metro" StencilVersion="0.1"/>
+  <Id Name="9b02dc29-9bf5-4f5a-b3db-dbeef4261eba" RevisionId="83beb46c-889f-4d61-9758-0556245306c8" Stencil="172d6d98-e5c9-42e9-a209-79f7a94bbd38" StencilRevisionId="00000000-0000-0000-0000-000000000000" StencilVersion="0.0"/>
 </Control>
 </file>
 
@@ -16322,7 +16325,7 @@
 
 <file path=customXml/item2.xml><?xml version="1.0" encoding="utf-8"?>
 <Control xmlns="http://schemas.microsoft.com/VisualStudio/2011/storyboarding/control">
-  <Id Name="System.Storyboarding.MetroIcons.Settings" Revision="1" Stencil="System.Storyboarding.MetroIcons" StencilVersion="0.1"/>
+  <Id Name="System.Storyboarding.Metro.MetroTileMedium" Revision="1" Stencil="System.Storyboarding.Metro" StencilVersion="0.1"/>
 </Control>
 </file>
 
@@ -16346,31 +16349,31 @@
 
 <file path=customXml/item23.xml><?xml version="1.0" encoding="utf-8"?>
 <Control xmlns="http://schemas.microsoft.com/VisualStudio/2011/storyboarding/control">
-  <Id Name="System.Storyboarding.Common.CheckBoxChecked" Revision="1" Stencil="System.Storyboarding.Common" StencilVersion="0.1"/>
+  <Id Name="System.Storyboarding.Metro.MetroTileMedium" Revision="1" Stencil="System.Storyboarding.Metro" StencilVersion="0.1"/>
 </Control>
 </file>
 
 <file path=customXml/item24.xml><?xml version="1.0" encoding="utf-8"?>
+<Control xmlns="http://schemas.microsoft.com/VisualStudio/2011/storyboarding/control">
+  <Id Name="System.Storyboarding.Metro.MetroTileMedium" Revision="1" Stencil="System.Storyboarding.Metro" StencilVersion="0.1"/>
+</Control>
+</file>
+
+<file path=customXml/item25.xml><?xml version="1.0" encoding="utf-8"?>
+<Control xmlns="http://schemas.microsoft.com/VisualStudio/2011/storyboarding/control">
+  <Id Name="9b02dc29-9bf5-4f5a-b3db-dbeef4261eba" RevisionId="83beb46c-889f-4d61-9758-0556245306c8" Stencil="172d6d98-e5c9-42e9-a209-79f7a94bbd38" StencilRevisionId="00000000-0000-0000-0000-000000000000" StencilVersion="0.0"/>
+</Control>
+</file>
+
+<file path=customXml/item26.xml><?xml version="1.0" encoding="utf-8"?>
 <Control xmlns="http://schemas.microsoft.com/VisualStudio/2011/storyboarding/control">
   <Id Name="System.Storyboarding.MetroIcons.Settings" Revision="1" Stencil="System.Storyboarding.MetroIcons" StencilVersion="0.1"/>
 </Control>
 </file>
 
-<file path=customXml/item25.xml><?xml version="1.0" encoding="utf-8"?>
-<Control xmlns="http://schemas.microsoft.com/VisualStudio/2011/storyboarding/control">
-  <Id Name="System.Storyboarding.Metro.MetroTileMedium" Revision="1" Stencil="System.Storyboarding.Metro" StencilVersion="0.1"/>
-</Control>
-</file>
-
-<file path=customXml/item26.xml><?xml version="1.0" encoding="utf-8"?>
-<Control xmlns="http://schemas.microsoft.com/VisualStudio/2011/storyboarding/control">
-  <Id Name="System.Storyboarding.Metro.MetroTileMedium" Revision="1" Stencil="System.Storyboarding.Metro" StencilVersion="0.1"/>
-</Control>
-</file>
-
 <file path=customXml/item27.xml><?xml version="1.0" encoding="utf-8"?>
 <Control xmlns="http://schemas.microsoft.com/VisualStudio/2011/storyboarding/control">
-  <Id Name="System.Storyboarding.MetroIcons.Settings" Revision="1" Stencil="System.Storyboarding.MetroIcons" StencilVersion="0.1"/>
+  <Id Name="9b02dc29-9bf5-4f5a-b3db-dbeef4261eba" RevisionId="83beb46c-889f-4d61-9758-0556245306c8" Stencil="172d6d98-e5c9-42e9-a209-79f7a94bbd38" StencilRevisionId="00000000-0000-0000-0000-000000000000" StencilVersion="0.0"/>
 </Control>
 </file>
 
@@ -16382,7 +16385,7 @@
 
 <file path=customXml/item29.xml><?xml version="1.0" encoding="utf-8"?>
 <Control xmlns="http://schemas.microsoft.com/VisualStudio/2011/storyboarding/control">
-  <Id Name="System.Storyboarding.Common.MousePointer" Revision="1" Stencil="System.Storyboarding.Common" StencilVersion="0.1"/>
+  <Id Name="System.Storyboarding.Metro.MetroTileMedium" Revision="1" Stencil="System.Storyboarding.Metro" StencilVersion="0.1"/>
 </Control>
 </file>
 
@@ -16394,23 +16397,128 @@
 
 <file path=customXml/item30.xml><?xml version="1.0" encoding="utf-8"?>
 <Control xmlns="http://schemas.microsoft.com/VisualStudio/2011/storyboarding/control">
+  <Id Name="9b02dc29-9bf5-4f5a-b3db-dbeef4261eba" RevisionId="83beb46c-889f-4d61-9758-0556245306c8" Stencil="172d6d98-e5c9-42e9-a209-79f7a94bbd38" StencilRevisionId="00000000-0000-0000-0000-000000000000" StencilVersion="0.0"/>
+</Control>
+</file>
+
+<file path=customXml/item31.xml><?xml version="1.0" encoding="utf-8"?>
+<Control xmlns="http://schemas.microsoft.com/VisualStudio/2011/storyboarding/control">
+  <Id Name="System.Storyboarding.MetroIcons.Settings" Revision="1" Stencil="System.Storyboarding.MetroIcons" StencilVersion="0.1"/>
+</Control>
+</file>
+
+<file path=customXml/item32.xml><?xml version="1.0" encoding="utf-8"?>
+<Control xmlns="http://schemas.microsoft.com/VisualStudio/2011/storyboarding/control">
   <Id Name="System.Storyboarding.Metro.MetroTileMedium" Revision="1" Stencil="System.Storyboarding.Metro" StencilVersion="0.1"/>
 </Control>
 </file>
 
-<file path=customXml/item31.xml><?xml version="1.0" encoding="utf-8"?>
+<file path=customXml/item33.xml><?xml version="1.0" encoding="utf-8"?>
 <Control xmlns="http://schemas.microsoft.com/VisualStudio/2011/storyboarding/control">
-  <Id Name="9b02dc29-9bf5-4f5a-b3db-dbeef4261eba" RevisionId="83beb46c-889f-4d61-9758-0556245306c8" Stencil="172d6d98-e5c9-42e9-a209-79f7a94bbd38" StencilRevisionId="00000000-0000-0000-0000-000000000000" StencilVersion="0.0"/>
+  <Id Name="System.Storyboarding.Metro.MetroTileMedium" Revision="1" Stencil="System.Storyboarding.Metro" StencilVersion="0.1"/>
 </Control>
 </file>
 
-<file path=customXml/item32.xml><?xml version="1.0" encoding="utf-8"?>
+<file path=customXml/item34.xml><?xml version="1.0" encoding="utf-8"?>
 <Control xmlns="http://schemas.microsoft.com/VisualStudio/2011/storyboarding/control">
-  <Id Name="9b02dc29-9bf5-4f5a-b3db-dbeef4261eba" RevisionId="83beb46c-889f-4d61-9758-0556245306c8" Stencil="172d6d98-e5c9-42e9-a209-79f7a94bbd38" StencilRevisionId="00000000-0000-0000-0000-000000000000" StencilVersion="0.0"/>
+  <Id Name="System.Storyboarding.MetroIcons.Settings" Revision="1" Stencil="System.Storyboarding.MetroIcons" StencilVersion="0.1"/>
 </Control>
 </file>
 
-<file path=customXml/item33.xml><?xml version="1.0" encoding="utf-8"?>
+<file path=customXml/item35.xml><?xml version="1.0" encoding="utf-8"?>
+<Control xmlns="http://schemas.microsoft.com/VisualStudio/2011/storyboarding/control">
+  <Id Name="System.Storyboarding.Metro.MetroTileMedium" Revision="1" Stencil="System.Storyboarding.Metro" StencilVersion="0.1"/>
+</Control>
+</file>
+
+<file path=customXml/item36.xml><?xml version="1.0" encoding="utf-8"?>
+<Control xmlns="http://schemas.microsoft.com/VisualStudio/2011/storyboarding/control">
+  <Id Name="System.Storyboarding.MetroIcons.Settings" Revision="1" Stencil="System.Storyboarding.MetroIcons" StencilVersion="0.1"/>
+</Control>
+</file>
+
+<file path=customXml/item37.xml><?xml version="1.0" encoding="utf-8"?>
+<Control xmlns="http://schemas.microsoft.com/VisualStudio/2011/storyboarding/control">
+  <Id Name="System.Storyboarding.Metro.MetroTileMedium" Revision="1" Stencil="System.Storyboarding.Metro" StencilVersion="0.1"/>
+</Control>
+</file>
+
+<file path=customXml/item38.xml><?xml version="1.0" encoding="utf-8"?>
+<Control xmlns="http://schemas.microsoft.com/VisualStudio/2011/storyboarding/control">
+  <Id Name="System.Storyboarding.Metro.MetroTileMedium" Revision="1" Stencil="System.Storyboarding.Metro" StencilVersion="0.1"/>
+</Control>
+</file>
+
+<file path=customXml/item39.xml><?xml version="1.0" encoding="utf-8"?>
+<Control xmlns="http://schemas.microsoft.com/VisualStudio/2011/storyboarding/control">
+  <Id Name="System.Storyboarding.Metro.MetroTileMedium" Revision="1" Stencil="System.Storyboarding.Metro" StencilVersion="0.1"/>
+</Control>
+</file>
+
+<file path=customXml/item4.xml><?xml version="1.0" encoding="utf-8"?>
+<Control xmlns="http://schemas.microsoft.com/VisualStudio/2011/storyboarding/control">
+  <Id Name="System.Storyboarding.Metro.MetroTileMedium" Revision="1" Stencil="System.Storyboarding.Metro" StencilVersion="0.1"/>
+</Control>
+</file>
+
+<file path=customXml/item40.xml><?xml version="1.0" encoding="utf-8"?>
+<Control xmlns="http://schemas.microsoft.com/VisualStudio/2011/storyboarding/control">
+  <Id Name="System.Storyboarding.Metro.MetroTileMedium" Revision="1" Stencil="System.Storyboarding.Metro" StencilVersion="0.1"/>
+</Control>
+</file>
+
+<file path=customXml/item41.xml><?xml version="1.0" encoding="utf-8"?>
+<Control xmlns="http://schemas.microsoft.com/VisualStudio/2011/storyboarding/control">
+  <Id Name="System.Storyboarding.MetroIcons.Settings" Revision="1" Stencil="System.Storyboarding.MetroIcons" StencilVersion="0.1"/>
+</Control>
+</file>
+
+<file path=customXml/item42.xml><?xml version="1.0" encoding="utf-8"?>
+<?mso-contentType ?>
+<FormTemplates xmlns="http://schemas.microsoft.com/sharepoint/v3/contenttype/forms">
+  <Display>DocumentLibraryForm</Display>
+  <Edit>DocumentLibraryForm</Edit>
+  <New>DocumentLibraryForm</New>
+</FormTemplates>
+</file>
+
+<file path=customXml/item43.xml><?xml version="1.0" encoding="utf-8"?>
+<Control xmlns="http://schemas.microsoft.com/VisualStudio/2011/storyboarding/control">
+  <Id Name="System.Storyboarding.Common.CheckBoxChecked" Revision="1" Stencil="System.Storyboarding.Common" StencilVersion="0.1"/>
+</Control>
+</file>
+
+<file path=customXml/item44.xml><?xml version="1.0" encoding="utf-8"?>
+<Control xmlns="http://schemas.microsoft.com/VisualStudio/2011/storyboarding/control">
+  <Id Name="System.Storyboarding.MetroIcons.Settings" Revision="1" Stencil="System.Storyboarding.MetroIcons" StencilVersion="0.1"/>
+</Control>
+</file>
+
+<file path=customXml/item45.xml><?xml version="1.0" encoding="utf-8"?>
+<Control xmlns="http://schemas.microsoft.com/VisualStudio/2011/storyboarding/control">
+  <Id Name="System.Storyboarding.Metro.MetroTileMedium" Revision="1" Stencil="System.Storyboarding.Metro" StencilVersion="0.1"/>
+</Control>
+</file>
+
+<file path=customXml/item46.xml><?xml version="1.0" encoding="utf-8"?>
+<Control xmlns="http://schemas.microsoft.com/VisualStudio/2011/storyboarding/control">
+  <Id Name="System.Storyboarding.MetroIcons.Settings" Revision="1" Stencil="System.Storyboarding.MetroIcons" StencilVersion="0.1"/>
+</Control>
+</file>
+
+<file path=customXml/item47.xml><?xml version="1.0" encoding="utf-8"?>
+<Control xmlns="http://schemas.microsoft.com/VisualStudio/2011/storyboarding/control">
+  <Id Name="System.Storyboarding.Metro.MetroTileMedium" Revision="1" Stencil="System.Storyboarding.Metro" StencilVersion="0.1"/>
+</Control>
+</file>
+
+<file path=customXml/item48.xml><?xml version="1.0" encoding="utf-8"?>
+<Control xmlns="http://schemas.microsoft.com/VisualStudio/2011/storyboarding/control">
+  <Id Name="System.Storyboarding.Metro.MetroTileMedium" Revision="1" Stencil="System.Storyboarding.Metro" StencilVersion="0.1"/>
+</Control>
+</file>
+
+<file path=customXml/item49.xml><?xml version="1.0" encoding="utf-8"?>
 <p:properties xmlns:p="http://schemas.microsoft.com/office/2006/metadata/properties" xmlns:xsi="http://www.w3.org/2001/XMLSchema-instance" xmlns:pc="http://schemas.microsoft.com/office/infopath/2007/PartnerControls">
   <documentManagement>
     <Platforms xmlns="0cc6f989-ae37-48d5-893a-9cdb2385d23a">7</Platforms>
@@ -16433,7 +16541,7 @@
 </p:properties>
 </file>
 
-<file path=customXml/item34.xml><?xml version="1.0" encoding="utf-8"?>
+<file path=customXml/item5.xml><?xml version="1.0" encoding="utf-8"?>
 <ct:contentTypeSchema xmlns:ct="http://schemas.microsoft.com/office/2006/metadata/contentType" xmlns:ma="http://schemas.microsoft.com/office/2006/metadata/properties/metaAttributes" ct:_="" ma:_="" ma:contentTypeName="Document" ma:contentTypeID="0x010100AD4A92689255A148B85CF11E70204670" ma:contentTypeVersion="9" ma:contentTypeDescription="Create a new document." ma:contentTypeScope="" ma:versionID="8b51ace006976d393d787968063ab262">
   <xsd:schema xmlns:xsd="http://www.w3.org/2001/XMLSchema" xmlns:xs="http://www.w3.org/2001/XMLSchema" xmlns:p="http://schemas.microsoft.com/office/2006/metadata/properties" xmlns:ns2="0cc6f989-ae37-48d5-893a-9cdb2385d23a" targetNamespace="http://schemas.microsoft.com/office/2006/metadata/properties" ma:root="true" ma:fieldsID="4d215d308c41de7770d4c311a5e8d0e8" ns2:_="">
     <xsd:import namespace="0cc6f989-ae37-48d5-893a-9cdb2385d23a"/>
@@ -16605,117 +16713,15 @@
 </ct:contentTypeSchema>
 </file>
 
-<file path=customXml/item35.xml><?xml version="1.0" encoding="utf-8"?>
+<file path=customXml/item50.xml><?xml version="1.0" encoding="utf-8"?>
 <Control xmlns="http://schemas.microsoft.com/VisualStudio/2011/storyboarding/control">
   <Id Name="System.Storyboarding.Metro.MetroTileMedium" Revision="1" Stencil="System.Storyboarding.Metro" StencilVersion="0.1"/>
 </Control>
 </file>
 
-<file path=customXml/item36.xml><?xml version="1.0" encoding="utf-8"?>
+<file path=customXml/item51.xml><?xml version="1.0" encoding="utf-8"?>
 <Control xmlns="http://schemas.microsoft.com/VisualStudio/2011/storyboarding/control">
   <Id Name="System.Storyboarding.Metro.MetroTileMedium" Revision="1" Stencil="System.Storyboarding.Metro" StencilVersion="0.1"/>
-</Control>
-</file>
-
-<file path=customXml/item37.xml><?xml version="1.0" encoding="utf-8"?>
-<Control xmlns="http://schemas.microsoft.com/VisualStudio/2011/storyboarding/control">
-  <Id Name="9b02dc29-9bf5-4f5a-b3db-dbeef4261eba" RevisionId="83beb46c-889f-4d61-9758-0556245306c8" Stencil="172d6d98-e5c9-42e9-a209-79f7a94bbd38" StencilRevisionId="00000000-0000-0000-0000-000000000000" StencilVersion="0.0"/>
-</Control>
-</file>
-
-<file path=customXml/item38.xml><?xml version="1.0" encoding="utf-8"?>
-<Control xmlns="http://schemas.microsoft.com/VisualStudio/2011/storyboarding/control">
-  <Id Name="System.Storyboarding.Metro.MetroTileMedium" Revision="1" Stencil="System.Storyboarding.Metro" StencilVersion="0.1"/>
-</Control>
-</file>
-
-<file path=customXml/item39.xml><?xml version="1.0" encoding="utf-8"?>
-<Control xmlns="http://schemas.microsoft.com/VisualStudio/2011/storyboarding/control">
-  <Id Name="System.Storyboarding.Metro.MetroTileMedium" Revision="1" Stencil="System.Storyboarding.Metro" StencilVersion="0.1"/>
-</Control>
-</file>
-
-<file path=customXml/item4.xml><?xml version="1.0" encoding="utf-8"?>
-<Control xmlns="http://schemas.microsoft.com/VisualStudio/2011/storyboarding/control">
-  <Id Name="System.Storyboarding.Metro.MetroTileMedium" Revision="1" Stencil="System.Storyboarding.Metro" StencilVersion="0.1"/>
-</Control>
-</file>
-
-<file path=customXml/item40.xml><?xml version="1.0" encoding="utf-8"?>
-<Control xmlns="http://schemas.microsoft.com/VisualStudio/2011/storyboarding/control">
-  <Id Name="System.Storyboarding.MetroIcons.Settings" Revision="1" Stencil="System.Storyboarding.MetroIcons" StencilVersion="0.1"/>
-</Control>
-</file>
-
-<file path=customXml/item41.xml><?xml version="1.0" encoding="utf-8"?>
-<Control xmlns="http://schemas.microsoft.com/VisualStudio/2011/storyboarding/control">
-  <Id Name="System.Storyboarding.Metro.MetroTileMedium" Revision="1" Stencil="System.Storyboarding.Metro" StencilVersion="0.1"/>
-</Control>
-</file>
-
-<file path=customXml/item42.xml><?xml version="1.0" encoding="utf-8"?>
-<Control xmlns="http://schemas.microsoft.com/VisualStudio/2011/storyboarding/control">
-  <Id Name="9b02dc29-9bf5-4f5a-b3db-dbeef4261eba" RevisionId="83beb46c-889f-4d61-9758-0556245306c8" Stencil="172d6d98-e5c9-42e9-a209-79f7a94bbd38" StencilRevisionId="00000000-0000-0000-0000-000000000000" StencilVersion="0.0"/>
-</Control>
-</file>
-
-<file path=customXml/item43.xml><?xml version="1.0" encoding="utf-8"?>
-<Control xmlns="http://schemas.microsoft.com/VisualStudio/2011/storyboarding/control">
-  <Id Name="System.Storyboarding.Metro.MetroTileMedium" Revision="1" Stencil="System.Storyboarding.Metro" StencilVersion="0.1"/>
-</Control>
-</file>
-
-<file path=customXml/item44.xml><?xml version="1.0" encoding="utf-8"?>
-<Control xmlns="http://schemas.microsoft.com/VisualStudio/2011/storyboarding/control">
-  <Id Name="System.Storyboarding.Metro.MetroTileMedium" Revision="1" Stencil="System.Storyboarding.Metro" StencilVersion="0.1"/>
-</Control>
-</file>
-
-<file path=customXml/item45.xml><?xml version="1.0" encoding="utf-8"?>
-<Control xmlns="http://schemas.microsoft.com/VisualStudio/2011/storyboarding/control">
-  <Id Name="System.Storyboarding.Metro.MetroTileMedium" Revision="1" Stencil="System.Storyboarding.Metro" StencilVersion="0.1"/>
-</Control>
-</file>
-
-<file path=customXml/item46.xml><?xml version="1.0" encoding="utf-8"?>
-<Control xmlns="http://schemas.microsoft.com/VisualStudio/2011/storyboarding/control">
-  <Id Name="System.Storyboarding.Metro.MetroTileMedium" Revision="1" Stencil="System.Storyboarding.Metro" StencilVersion="0.1"/>
-</Control>
-</file>
-
-<file path=customXml/item47.xml><?xml version="1.0" encoding="utf-8"?>
-<Control xmlns="http://schemas.microsoft.com/VisualStudio/2011/storyboarding/control">
-  <Id Name="System.Storyboarding.MetroIcons.Settings" Revision="1" Stencil="System.Storyboarding.MetroIcons" StencilVersion="0.1"/>
-</Control>
-</file>
-
-<file path=customXml/item48.xml><?xml version="1.0" encoding="utf-8"?>
-<Control xmlns="http://schemas.microsoft.com/VisualStudio/2011/storyboarding/control">
-  <Id Name="System.Storyboarding.Metro.MetroTileMedium" Revision="1" Stencil="System.Storyboarding.Metro" StencilVersion="0.1"/>
-</Control>
-</file>
-
-<file path=customXml/item49.xml><?xml version="1.0" encoding="utf-8"?>
-<Control xmlns="http://schemas.microsoft.com/VisualStudio/2011/storyboarding/control">
-  <Id Name="9b02dc29-9bf5-4f5a-b3db-dbeef4261eba" RevisionId="83beb46c-889f-4d61-9758-0556245306c8" Stencil="172d6d98-e5c9-42e9-a209-79f7a94bbd38" StencilRevisionId="00000000-0000-0000-0000-000000000000" StencilVersion="0.0"/>
-</Control>
-</file>
-
-<file path=customXml/item5.xml><?xml version="1.0" encoding="utf-8"?>
-<Control xmlns="http://schemas.microsoft.com/VisualStudio/2011/storyboarding/control">
-  <Id Name="System.Storyboarding.Metro.MetroTileMedium" Revision="1" Stencil="System.Storyboarding.Metro" StencilVersion="0.1"/>
-</Control>
-</file>
-
-<file path=customXml/item50.xml><?xml version="1.0" encoding="utf-8"?>
-<Control xmlns="http://schemas.microsoft.com/VisualStudio/2011/storyboarding/control">
-  <Id Name="9b02dc29-9bf5-4f5a-b3db-dbeef4261eba" RevisionId="83beb46c-889f-4d61-9758-0556245306c8" Stencil="172d6d98-e5c9-42e9-a209-79f7a94bbd38" StencilRevisionId="00000000-0000-0000-0000-000000000000" StencilVersion="0.0"/>
-</Control>
-</file>
-
-<file path=customXml/item51.xml><?xml version="1.0" encoding="utf-8"?>
-<Control xmlns="http://schemas.microsoft.com/VisualStudio/2011/storyboarding/control">
-  <Id Name="System.Storyboarding.MetroIcons.Settings" Revision="1" Stencil="System.Storyboarding.MetroIcons" StencilVersion="0.1"/>
 </Control>
 </file>
 
@@ -16733,7 +16739,7 @@
 
 <file path=customXml/item54.xml><?xml version="1.0" encoding="utf-8"?>
 <Control xmlns="http://schemas.microsoft.com/VisualStudio/2011/storyboarding/control">
-  <Id Name="9b02dc29-9bf5-4f5a-b3db-dbeef4261eba" RevisionId="83beb46c-889f-4d61-9758-0556245306c8" Stencil="172d6d98-e5c9-42e9-a209-79f7a94bbd38" StencilRevisionId="00000000-0000-0000-0000-000000000000" StencilVersion="0.0"/>
+  <Id Name="System.Storyboarding.Metro.MetroTileMedium" Revision="1" Stencil="System.Storyboarding.Metro" StencilVersion="0.1"/>
 </Control>
 </file>
 
@@ -16745,13 +16751,13 @@
 
 <file path=customXml/item56.xml><?xml version="1.0" encoding="utf-8"?>
 <Control xmlns="http://schemas.microsoft.com/VisualStudio/2011/storyboarding/control">
-  <Id Name="System.Storyboarding.MetroIcons.Settings" Revision="1" Stencil="System.Storyboarding.MetroIcons" StencilVersion="0.1"/>
+  <Id Name="System.Storyboarding.Metro.MetroTileMedium" Revision="1" Stencil="System.Storyboarding.Metro" StencilVersion="0.1"/>
 </Control>
 </file>
 
 <file path=customXml/item57.xml><?xml version="1.0" encoding="utf-8"?>
 <Control xmlns="http://schemas.microsoft.com/VisualStudio/2011/storyboarding/control">
-  <Id Name="System.Storyboarding.Metro.MetroTileMedium" Revision="1" Stencil="System.Storyboarding.Metro" StencilVersion="0.1"/>
+  <Id Name="System.Storyboarding.Common.CheckBoxChecked" Revision="1" Stencil="System.Storyboarding.Common" StencilVersion="0.1"/>
 </Control>
 </file>
 
@@ -16769,13 +16775,13 @@
 
 <file path=customXml/item6.xml><?xml version="1.0" encoding="utf-8"?>
 <Control xmlns="http://schemas.microsoft.com/VisualStudio/2011/storyboarding/control">
-  <Id Name="System.Storyboarding.Metro.MetroTileMedium" Revision="1" Stencil="System.Storyboarding.Metro" StencilVersion="0.1"/>
+  <Id Name="9b02dc29-9bf5-4f5a-b3db-dbeef4261eba" RevisionId="83beb46c-889f-4d61-9758-0556245306c8" Stencil="172d6d98-e5c9-42e9-a209-79f7a94bbd38" StencilRevisionId="00000000-0000-0000-0000-000000000000" StencilVersion="0.0"/>
 </Control>
 </file>
 
 <file path=customXml/item60.xml><?xml version="1.0" encoding="utf-8"?>
 <Control xmlns="http://schemas.microsoft.com/VisualStudio/2011/storyboarding/control">
-  <Id Name="9b02dc29-9bf5-4f5a-b3db-dbeef4261eba" RevisionId="83beb46c-889f-4d61-9758-0556245306c8" Stencil="172d6d98-e5c9-42e9-a209-79f7a94bbd38" StencilRevisionId="00000000-0000-0000-0000-000000000000" StencilVersion="0.0"/>
+  <Id Name="System.Storyboarding.Common.CheckBoxChecked" Revision="1" Stencil="System.Storyboarding.Common" StencilVersion="0.1"/>
 </Control>
 </file>
 
@@ -16793,45 +16799,42 @@
 
 <file path=customXml/item63.xml><?xml version="1.0" encoding="utf-8"?>
 <Control xmlns="http://schemas.microsoft.com/VisualStudio/2011/storyboarding/control">
+  <Id Name="9b02dc29-9bf5-4f5a-b3db-dbeef4261eba" RevisionId="83beb46c-889f-4d61-9758-0556245306c8" Stencil="172d6d98-e5c9-42e9-a209-79f7a94bbd38" StencilRevisionId="00000000-0000-0000-0000-000000000000" StencilVersion="0.0"/>
+</Control>
+</file>
+
+<file path=customXml/item64.xml><?xml version="1.0" encoding="utf-8"?>
+<Control xmlns="http://schemas.microsoft.com/VisualStudio/2011/storyboarding/control">
   <Id Name="System.Storyboarding.Metro.MetroTileMedium" Revision="1" Stencil="System.Storyboarding.Metro" StencilVersion="0.1"/>
 </Control>
 </file>
 
-<file path=customXml/item64.xml><?xml version="1.0" encoding="utf-8"?>
-<?mso-contentType ?>
-<FormTemplates xmlns="http://schemas.microsoft.com/sharepoint/v3/contenttype/forms">
-  <Display>DocumentLibraryForm</Display>
-  <Edit>DocumentLibraryForm</Edit>
-  <New>DocumentLibraryForm</New>
-</FormTemplates>
-</file>
-
 <file path=customXml/item65.xml><?xml version="1.0" encoding="utf-8"?>
+<Control xmlns="http://schemas.microsoft.com/VisualStudio/2011/storyboarding/control">
+  <Id Name="9b02dc29-9bf5-4f5a-b3db-dbeef4261eba" RevisionId="83beb46c-889f-4d61-9758-0556245306c8" Stencil="172d6d98-e5c9-42e9-a209-79f7a94bbd38" StencilRevisionId="00000000-0000-0000-0000-000000000000" StencilVersion="0.0"/>
+</Control>
+</file>
+
+<file path=customXml/item7.xml><?xml version="1.0" encoding="utf-8"?>
 <Control xmlns="http://schemas.microsoft.com/VisualStudio/2011/storyboarding/control">
   <Id Name="System.Storyboarding.MetroIcons.Settings" Revision="1" Stencil="System.Storyboarding.MetroIcons" StencilVersion="0.1"/>
 </Control>
 </file>
 
-<file path=customXml/item7.xml><?xml version="1.0" encoding="utf-8"?>
-<Control xmlns="http://schemas.microsoft.com/VisualStudio/2011/storyboarding/control">
-  <Id Name="System.Storyboarding.Metro.MetroTileMedium" Revision="1" Stencil="System.Storyboarding.Metro" StencilVersion="0.1"/>
-</Control>
-</file>
-
 <file path=customXml/item8.xml><?xml version="1.0" encoding="utf-8"?>
 <Control xmlns="http://schemas.microsoft.com/VisualStudio/2011/storyboarding/control">
-  <Id Name="System.Storyboarding.Common.CheckBoxChecked" Revision="1" Stencil="System.Storyboarding.Common" StencilVersion="0.1"/>
+  <Id Name="9b02dc29-9bf5-4f5a-b3db-dbeef4261eba" RevisionId="83beb46c-889f-4d61-9758-0556245306c8" Stencil="172d6d98-e5c9-42e9-a209-79f7a94bbd38" StencilRevisionId="00000000-0000-0000-0000-000000000000" StencilVersion="0.0"/>
 </Control>
 </file>
 
 <file path=customXml/item9.xml><?xml version="1.0" encoding="utf-8"?>
 <Control xmlns="http://schemas.microsoft.com/VisualStudio/2011/storyboarding/control">
-  <Id Name="System.Storyboarding.Metro.MetroTileMedium" Revision="1" Stencil="System.Storyboarding.Metro" StencilVersion="0.1"/>
+  <Id Name="9b02dc29-9bf5-4f5a-b3db-dbeef4261eba" RevisionId="83beb46c-889f-4d61-9758-0556245306c8" Stencil="172d6d98-e5c9-42e9-a209-79f7a94bbd38" StencilRevisionId="00000000-0000-0000-0000-000000000000" StencilVersion="0.0"/>
 </Control>
 </file>
 
 <file path=customXml/itemProps1.xml><?xml version="1.0" encoding="utf-8"?>
-<ds:datastoreItem xmlns:ds="http://schemas.openxmlformats.org/officeDocument/2006/customXml" ds:itemID="{7C52B786-ECAE-4127-8D5A-9D5737CDA9AE}">
+<ds:datastoreItem xmlns:ds="http://schemas.openxmlformats.org/officeDocument/2006/customXml" ds:itemID="{56A05390-7D58-49FF-8369-3AA8063D6025}">
   <ds:schemaRefs>
     <ds:schemaRef ds:uri="http://schemas.microsoft.com/VisualStudio/2011/storyboarding/control"/>
   </ds:schemaRefs>
@@ -16839,6 +16842,134 @@
 </file>
 
 <file path=customXml/itemProps10.xml><?xml version="1.0" encoding="utf-8"?>
+<ds:datastoreItem xmlns:ds="http://schemas.openxmlformats.org/officeDocument/2006/customXml" ds:itemID="{99785A80-8B36-4230-939B-0B1FF8C13FBE}">
+  <ds:schemaRefs>
+    <ds:schemaRef ds:uri="http://schemas.microsoft.com/VisualStudio/2011/storyboarding/control"/>
+  </ds:schemaRefs>
+</ds:datastoreItem>
+</file>
+
+<file path=customXml/itemProps11.xml><?xml version="1.0" encoding="utf-8"?>
+<ds:datastoreItem xmlns:ds="http://schemas.openxmlformats.org/officeDocument/2006/customXml" ds:itemID="{0FA550CC-3C5D-4798-9CC5-897A999B9FCF}">
+  <ds:schemaRefs>
+    <ds:schemaRef ds:uri="http://schemas.microsoft.com/VisualStudio/2011/storyboarding/control"/>
+  </ds:schemaRefs>
+</ds:datastoreItem>
+</file>
+
+<file path=customXml/itemProps12.xml><?xml version="1.0" encoding="utf-8"?>
+<ds:datastoreItem xmlns:ds="http://schemas.openxmlformats.org/officeDocument/2006/customXml" ds:itemID="{6FDAF948-4318-448E-AAA2-097A8C4C67AB}">
+  <ds:schemaRefs>
+    <ds:schemaRef ds:uri="http://schemas.microsoft.com/VisualStudio/2011/storyboarding/control"/>
+  </ds:schemaRefs>
+</ds:datastoreItem>
+</file>
+
+<file path=customXml/itemProps13.xml><?xml version="1.0" encoding="utf-8"?>
+<ds:datastoreItem xmlns:ds="http://schemas.openxmlformats.org/officeDocument/2006/customXml" ds:itemID="{05616930-00E9-419E-9C9E-66802063C018}">
+  <ds:schemaRefs>
+    <ds:schemaRef ds:uri="http://schemas.microsoft.com/VisualStudio/2011/storyboarding/control"/>
+  </ds:schemaRefs>
+</ds:datastoreItem>
+</file>
+
+<file path=customXml/itemProps14.xml><?xml version="1.0" encoding="utf-8"?>
+<ds:datastoreItem xmlns:ds="http://schemas.openxmlformats.org/officeDocument/2006/customXml" ds:itemID="{BD4C0FA5-BE41-444E-A58F-13B9710A3740}">
+  <ds:schemaRefs>
+    <ds:schemaRef ds:uri="http://schemas.microsoft.com/VisualStudio/2011/storyboarding/control"/>
+  </ds:schemaRefs>
+</ds:datastoreItem>
+</file>
+
+<file path=customXml/itemProps15.xml><?xml version="1.0" encoding="utf-8"?>
+<ds:datastoreItem xmlns:ds="http://schemas.openxmlformats.org/officeDocument/2006/customXml" ds:itemID="{17CE010B-F72F-4B30-B776-405D00945A4F}">
+  <ds:schemaRefs>
+    <ds:schemaRef ds:uri="http://schemas.microsoft.com/VisualStudio/2011/storyboarding/control"/>
+  </ds:schemaRefs>
+</ds:datastoreItem>
+</file>
+
+<file path=customXml/itemProps16.xml><?xml version="1.0" encoding="utf-8"?>
+<ds:datastoreItem xmlns:ds="http://schemas.openxmlformats.org/officeDocument/2006/customXml" ds:itemID="{F6379A78-9ED3-4E6E-8FB9-B69777DBCC90}">
+  <ds:schemaRefs>
+    <ds:schemaRef ds:uri="http://schemas.microsoft.com/VisualStudio/2011/storyboarding/control"/>
+  </ds:schemaRefs>
+</ds:datastoreItem>
+</file>
+
+<file path=customXml/itemProps17.xml><?xml version="1.0" encoding="utf-8"?>
+<ds:datastoreItem xmlns:ds="http://schemas.openxmlformats.org/officeDocument/2006/customXml" ds:itemID="{80797D30-58B7-45DE-8118-E4A31971BC1C}">
+  <ds:schemaRefs>
+    <ds:schemaRef ds:uri="http://schemas.microsoft.com/VisualStudio/2011/storyboarding/control"/>
+  </ds:schemaRefs>
+</ds:datastoreItem>
+</file>
+
+<file path=customXml/itemProps18.xml><?xml version="1.0" encoding="utf-8"?>
+<ds:datastoreItem xmlns:ds="http://schemas.openxmlformats.org/officeDocument/2006/customXml" ds:itemID="{4BA2F418-AC6A-43F8-B114-1E6040197810}">
+  <ds:schemaRefs>
+    <ds:schemaRef ds:uri="http://schemas.microsoft.com/VisualStudio/2011/storyboarding/control"/>
+  </ds:schemaRefs>
+</ds:datastoreItem>
+</file>
+
+<file path=customXml/itemProps19.xml><?xml version="1.0" encoding="utf-8"?>
+<ds:datastoreItem xmlns:ds="http://schemas.openxmlformats.org/officeDocument/2006/customXml" ds:itemID="{49F22B53-3182-4900-82E5-B9AF3F3A2CBF}">
+  <ds:schemaRefs>
+    <ds:schemaRef ds:uri="http://schemas.microsoft.com/VisualStudio/2011/storyboarding/control"/>
+  </ds:schemaRefs>
+</ds:datastoreItem>
+</file>
+
+<file path=customXml/itemProps2.xml><?xml version="1.0" encoding="utf-8"?>
+<ds:datastoreItem xmlns:ds="http://schemas.openxmlformats.org/officeDocument/2006/customXml" ds:itemID="{663EAE25-D995-45FE-A969-480E2BE4879B}">
+  <ds:schemaRefs>
+    <ds:schemaRef ds:uri="http://schemas.microsoft.com/VisualStudio/2011/storyboarding/control"/>
+  </ds:schemaRefs>
+</ds:datastoreItem>
+</file>
+
+<file path=customXml/itemProps20.xml><?xml version="1.0" encoding="utf-8"?>
+<ds:datastoreItem xmlns:ds="http://schemas.openxmlformats.org/officeDocument/2006/customXml" ds:itemID="{0C40ABEC-9A43-4EDA-8C55-D368872600D2}">
+  <ds:schemaRefs>
+    <ds:schemaRef ds:uri="http://schemas.microsoft.com/VisualStudio/2011/storyboarding/control"/>
+  </ds:schemaRefs>
+</ds:datastoreItem>
+</file>
+
+<file path=customXml/itemProps21.xml><?xml version="1.0" encoding="utf-8"?>
+<ds:datastoreItem xmlns:ds="http://schemas.openxmlformats.org/officeDocument/2006/customXml" ds:itemID="{298B1941-34FB-41C9-8F1B-ED08BA23DC4A}">
+  <ds:schemaRefs>
+    <ds:schemaRef ds:uri="http://schemas.microsoft.com/VisualStudio/2011/storyboarding/control"/>
+  </ds:schemaRefs>
+</ds:datastoreItem>
+</file>
+
+<file path=customXml/itemProps22.xml><?xml version="1.0" encoding="utf-8"?>
+<ds:datastoreItem xmlns:ds="http://schemas.openxmlformats.org/officeDocument/2006/customXml" ds:itemID="{9154F7C1-092D-4E40-9A2A-64D989284028}">
+  <ds:schemaRefs>
+    <ds:schemaRef ds:uri="http://schemas.microsoft.com/VisualStudio/2011/storyboarding/control"/>
+  </ds:schemaRefs>
+</ds:datastoreItem>
+</file>
+
+<file path=customXml/itemProps23.xml><?xml version="1.0" encoding="utf-8"?>
+<ds:datastoreItem xmlns:ds="http://schemas.openxmlformats.org/officeDocument/2006/customXml" ds:itemID="{EB793683-B4E9-4284-B1DB-FC2E40CF5428}">
+  <ds:schemaRefs>
+    <ds:schemaRef ds:uri="http://schemas.microsoft.com/VisualStudio/2011/storyboarding/control"/>
+  </ds:schemaRefs>
+</ds:datastoreItem>
+</file>
+
+<file path=customXml/itemProps24.xml><?xml version="1.0" encoding="utf-8"?>
+<ds:datastoreItem xmlns:ds="http://schemas.openxmlformats.org/officeDocument/2006/customXml" ds:itemID="{0749B68C-2563-4D7A-9F8E-382BE1E6AEA7}">
+  <ds:schemaRefs>
+    <ds:schemaRef ds:uri="http://schemas.microsoft.com/VisualStudio/2011/storyboarding/control"/>
+  </ds:schemaRefs>
+</ds:datastoreItem>
+</file>
+
+<file path=customXml/itemProps25.xml><?xml version="1.0" encoding="utf-8"?>
 <ds:datastoreItem xmlns:ds="http://schemas.openxmlformats.org/officeDocument/2006/customXml" ds:itemID="{D4F7A010-B228-4D2E-82E7-14766C86B525}">
   <ds:schemaRefs>
     <ds:schemaRef ds:uri="http://schemas.microsoft.com/VisualStudio/2011/storyboarding/control"/>
@@ -16846,15 +16977,183 @@
 </ds:datastoreItem>
 </file>
 
-<file path=customXml/itemProps11.xml><?xml version="1.0" encoding="utf-8"?>
-<ds:datastoreItem xmlns:ds="http://schemas.openxmlformats.org/officeDocument/2006/customXml" ds:itemID="{17CE010B-F72F-4B30-B776-405D00945A4F}">
+<file path=customXml/itemProps26.xml><?xml version="1.0" encoding="utf-8"?>
+<ds:datastoreItem xmlns:ds="http://schemas.openxmlformats.org/officeDocument/2006/customXml" ds:itemID="{2AD08BF1-FC3F-4FD1-B252-4A0D98F43508}">
   <ds:schemaRefs>
     <ds:schemaRef ds:uri="http://schemas.microsoft.com/VisualStudio/2011/storyboarding/control"/>
   </ds:schemaRefs>
 </ds:datastoreItem>
 </file>
 
-<file path=customXml/itemProps12.xml><?xml version="1.0" encoding="utf-8"?>
+<file path=customXml/itemProps27.xml><?xml version="1.0" encoding="utf-8"?>
+<ds:datastoreItem xmlns:ds="http://schemas.openxmlformats.org/officeDocument/2006/customXml" ds:itemID="{4E826C96-6D66-4097-9F07-E9EED5848D4D}">
+  <ds:schemaRefs>
+    <ds:schemaRef ds:uri="http://schemas.microsoft.com/VisualStudio/2011/storyboarding/control"/>
+  </ds:schemaRefs>
+</ds:datastoreItem>
+</file>
+
+<file path=customXml/itemProps28.xml><?xml version="1.0" encoding="utf-8"?>
+<ds:datastoreItem xmlns:ds="http://schemas.openxmlformats.org/officeDocument/2006/customXml" ds:itemID="{6E7884C0-8EF3-4DE1-B211-757DBF410696}">
+  <ds:schemaRefs>
+    <ds:schemaRef ds:uri="http://schemas.microsoft.com/VisualStudio/2011/storyboarding/control"/>
+  </ds:schemaRefs>
+</ds:datastoreItem>
+</file>
+
+<file path=customXml/itemProps29.xml><?xml version="1.0" encoding="utf-8"?>
+<ds:datastoreItem xmlns:ds="http://schemas.openxmlformats.org/officeDocument/2006/customXml" ds:itemID="{9391F4EB-9A55-4063-B82B-E36B9CF74635}">
+  <ds:schemaRefs>
+    <ds:schemaRef ds:uri="http://schemas.microsoft.com/VisualStudio/2011/storyboarding/control"/>
+  </ds:schemaRefs>
+</ds:datastoreItem>
+</file>
+
+<file path=customXml/itemProps3.xml><?xml version="1.0" encoding="utf-8"?>
+<ds:datastoreItem xmlns:ds="http://schemas.openxmlformats.org/officeDocument/2006/customXml" ds:itemID="{E93850D7-0EF6-43A3-8F00-A8DF831BED81}">
+  <ds:schemaRefs>
+    <ds:schemaRef ds:uri="http://schemas.microsoft.com/VisualStudio/2011/storyboarding/control"/>
+  </ds:schemaRefs>
+</ds:datastoreItem>
+</file>
+
+<file path=customXml/itemProps30.xml><?xml version="1.0" encoding="utf-8"?>
+<ds:datastoreItem xmlns:ds="http://schemas.openxmlformats.org/officeDocument/2006/customXml" ds:itemID="{F9BF860A-3B46-4442-99D7-F61AF54EBDAA}">
+  <ds:schemaRefs>
+    <ds:schemaRef ds:uri="http://schemas.microsoft.com/VisualStudio/2011/storyboarding/control"/>
+  </ds:schemaRefs>
+</ds:datastoreItem>
+</file>
+
+<file path=customXml/itemProps31.xml><?xml version="1.0" encoding="utf-8"?>
+<ds:datastoreItem xmlns:ds="http://schemas.openxmlformats.org/officeDocument/2006/customXml" ds:itemID="{FF6E2E3C-A1B1-4A42-AF94-388A57904285}">
+  <ds:schemaRefs>
+    <ds:schemaRef ds:uri="http://schemas.microsoft.com/VisualStudio/2011/storyboarding/control"/>
+  </ds:schemaRefs>
+</ds:datastoreItem>
+</file>
+
+<file path=customXml/itemProps32.xml><?xml version="1.0" encoding="utf-8"?>
+<ds:datastoreItem xmlns:ds="http://schemas.openxmlformats.org/officeDocument/2006/customXml" ds:itemID="{8AB8CF82-0D61-490E-A6AD-6D2294B353F5}">
+  <ds:schemaRefs>
+    <ds:schemaRef ds:uri="http://schemas.microsoft.com/VisualStudio/2011/storyboarding/control"/>
+  </ds:schemaRefs>
+</ds:datastoreItem>
+</file>
+
+<file path=customXml/itemProps33.xml><?xml version="1.0" encoding="utf-8"?>
+<ds:datastoreItem xmlns:ds="http://schemas.openxmlformats.org/officeDocument/2006/customXml" ds:itemID="{36C49E62-3F5C-4711-8A96-4F7C0AA57F87}">
+  <ds:schemaRefs>
+    <ds:schemaRef ds:uri="http://schemas.microsoft.com/VisualStudio/2011/storyboarding/control"/>
+  </ds:schemaRefs>
+</ds:datastoreItem>
+</file>
+
+<file path=customXml/itemProps34.xml><?xml version="1.0" encoding="utf-8"?>
+<ds:datastoreItem xmlns:ds="http://schemas.openxmlformats.org/officeDocument/2006/customXml" ds:itemID="{99C6647E-F1FE-4244-AAB8-EE20E00D82E7}">
+  <ds:schemaRefs>
+    <ds:schemaRef ds:uri="http://schemas.microsoft.com/VisualStudio/2011/storyboarding/control"/>
+  </ds:schemaRefs>
+</ds:datastoreItem>
+</file>
+
+<file path=customXml/itemProps35.xml><?xml version="1.0" encoding="utf-8"?>
+<ds:datastoreItem xmlns:ds="http://schemas.openxmlformats.org/officeDocument/2006/customXml" ds:itemID="{A3B3D6E3-D488-47AE-B00F-790941B42B49}">
+  <ds:schemaRefs>
+    <ds:schemaRef ds:uri="http://schemas.microsoft.com/VisualStudio/2011/storyboarding/control"/>
+  </ds:schemaRefs>
+</ds:datastoreItem>
+</file>
+
+<file path=customXml/itemProps36.xml><?xml version="1.0" encoding="utf-8"?>
+<ds:datastoreItem xmlns:ds="http://schemas.openxmlformats.org/officeDocument/2006/customXml" ds:itemID="{4F198A18-84AA-4D4F-91F9-02E87433ECC8}">
+  <ds:schemaRefs>
+    <ds:schemaRef ds:uri="http://schemas.microsoft.com/VisualStudio/2011/storyboarding/control"/>
+  </ds:schemaRefs>
+</ds:datastoreItem>
+</file>
+
+<file path=customXml/itemProps37.xml><?xml version="1.0" encoding="utf-8"?>
+<ds:datastoreItem xmlns:ds="http://schemas.openxmlformats.org/officeDocument/2006/customXml" ds:itemID="{5D1145E7-C742-4FCA-88CD-CA4C99BDA974}">
+  <ds:schemaRefs>
+    <ds:schemaRef ds:uri="http://schemas.microsoft.com/VisualStudio/2011/storyboarding/control"/>
+  </ds:schemaRefs>
+</ds:datastoreItem>
+</file>
+
+<file path=customXml/itemProps38.xml><?xml version="1.0" encoding="utf-8"?>
+<ds:datastoreItem xmlns:ds="http://schemas.openxmlformats.org/officeDocument/2006/customXml" ds:itemID="{8406A2C0-D3E9-485E-A7DC-1B413A190265}">
+  <ds:schemaRefs>
+    <ds:schemaRef ds:uri="http://schemas.microsoft.com/VisualStudio/2011/storyboarding/control"/>
+  </ds:schemaRefs>
+</ds:datastoreItem>
+</file>
+
+<file path=customXml/itemProps39.xml><?xml version="1.0" encoding="utf-8"?>
+<ds:datastoreItem xmlns:ds="http://schemas.openxmlformats.org/officeDocument/2006/customXml" ds:itemID="{C2FA8E4B-D54B-4B66-A7DD-B76F9D624E01}">
+  <ds:schemaRefs>
+    <ds:schemaRef ds:uri="http://schemas.microsoft.com/VisualStudio/2011/storyboarding/control"/>
+  </ds:schemaRefs>
+</ds:datastoreItem>
+</file>
+
+<file path=customXml/itemProps4.xml><?xml version="1.0" encoding="utf-8"?>
+<ds:datastoreItem xmlns:ds="http://schemas.openxmlformats.org/officeDocument/2006/customXml" ds:itemID="{601B5EE9-A336-47AE-8F46-F70DDF8116E5}">
+  <ds:schemaRefs>
+    <ds:schemaRef ds:uri="http://schemas.microsoft.com/VisualStudio/2011/storyboarding/control"/>
+  </ds:schemaRefs>
+</ds:datastoreItem>
+</file>
+
+<file path=customXml/itemProps40.xml><?xml version="1.0" encoding="utf-8"?>
+<ds:datastoreItem xmlns:ds="http://schemas.openxmlformats.org/officeDocument/2006/customXml" ds:itemID="{F02C59BC-1F80-405C-96CB-418D67CD2642}">
+  <ds:schemaRefs>
+    <ds:schemaRef ds:uri="http://schemas.microsoft.com/VisualStudio/2011/storyboarding/control"/>
+  </ds:schemaRefs>
+</ds:datastoreItem>
+</file>
+
+<file path=customXml/itemProps41.xml><?xml version="1.0" encoding="utf-8"?>
+<ds:datastoreItem xmlns:ds="http://schemas.openxmlformats.org/officeDocument/2006/customXml" ds:itemID="{A0FDD899-C562-4DDE-9AFF-49B7BB8425B5}">
+  <ds:schemaRefs>
+    <ds:schemaRef ds:uri="http://schemas.microsoft.com/VisualStudio/2011/storyboarding/control"/>
+  </ds:schemaRefs>
+</ds:datastoreItem>
+</file>
+
+<file path=customXml/itemProps42.xml><?xml version="1.0" encoding="utf-8"?>
+<ds:datastoreItem xmlns:ds="http://schemas.openxmlformats.org/officeDocument/2006/customXml" ds:itemID="{F4E2C373-23A8-4F58-9D2A-A3D6CB762EE6}">
+  <ds:schemaRefs>
+    <ds:schemaRef ds:uri="http://schemas.microsoft.com/sharepoint/v3/contenttype/forms"/>
+  </ds:schemaRefs>
+</ds:datastoreItem>
+</file>
+
+<file path=customXml/itemProps43.xml><?xml version="1.0" encoding="utf-8"?>
+<ds:datastoreItem xmlns:ds="http://schemas.openxmlformats.org/officeDocument/2006/customXml" ds:itemID="{EAB8CB23-CF08-4E79-8A0E-90EE8083AFBE}">
+  <ds:schemaRefs>
+    <ds:schemaRef ds:uri="http://schemas.microsoft.com/VisualStudio/2011/storyboarding/control"/>
+  </ds:schemaRefs>
+</ds:datastoreItem>
+</file>
+
+<file path=customXml/itemProps44.xml><?xml version="1.0" encoding="utf-8"?>
+<ds:datastoreItem xmlns:ds="http://schemas.openxmlformats.org/officeDocument/2006/customXml" ds:itemID="{7DC0324A-2895-4F78-ACB1-122E59C406D8}">
+  <ds:schemaRefs>
+    <ds:schemaRef ds:uri="http://schemas.microsoft.com/VisualStudio/2011/storyboarding/control"/>
+  </ds:schemaRefs>
+</ds:datastoreItem>
+</file>
+
+<file path=customXml/itemProps45.xml><?xml version="1.0" encoding="utf-8"?>
+<ds:datastoreItem xmlns:ds="http://schemas.openxmlformats.org/officeDocument/2006/customXml" ds:itemID="{692DF9AE-8581-4162-A653-46D9A71C9081}">
+  <ds:schemaRefs>
+    <ds:schemaRef ds:uri="http://schemas.microsoft.com/VisualStudio/2011/storyboarding/control"/>
+  </ds:schemaRefs>
+</ds:datastoreItem>
+</file>
+
+<file path=customXml/itemProps46.xml><?xml version="1.0" encoding="utf-8"?>
 <ds:datastoreItem xmlns:ds="http://schemas.openxmlformats.org/officeDocument/2006/customXml" ds:itemID="{C8945317-D1AF-430E-9C5D-932A078C62DE}">
   <ds:schemaRefs>
     <ds:schemaRef ds:uri="http://schemas.microsoft.com/VisualStudio/2011/storyboarding/control"/>
@@ -16862,39 +17161,7 @@
 </ds:datastoreItem>
 </file>
 
-<file path=customXml/itemProps13.xml><?xml version="1.0" encoding="utf-8"?>
-<ds:datastoreItem xmlns:ds="http://schemas.openxmlformats.org/officeDocument/2006/customXml" ds:itemID="{F69CDB88-D0A7-4521-8343-EADDC429580F}">
-  <ds:schemaRefs>
-    <ds:schemaRef ds:uri="http://schemas.microsoft.com/VisualStudio/2011/storyboarding/control"/>
-  </ds:schemaRefs>
-</ds:datastoreItem>
-</file>
-
-<file path=customXml/itemProps14.xml><?xml version="1.0" encoding="utf-8"?>
-<ds:datastoreItem xmlns:ds="http://schemas.openxmlformats.org/officeDocument/2006/customXml" ds:itemID="{99C6647E-F1FE-4244-AAB8-EE20E00D82E7}">
-  <ds:schemaRefs>
-    <ds:schemaRef ds:uri="http://schemas.microsoft.com/VisualStudio/2011/storyboarding/control"/>
-  </ds:schemaRefs>
-</ds:datastoreItem>
-</file>
-
-<file path=customXml/itemProps15.xml><?xml version="1.0" encoding="utf-8"?>
-<ds:datastoreItem xmlns:ds="http://schemas.openxmlformats.org/officeDocument/2006/customXml" ds:itemID="{30C0E41E-7E65-476D-9141-293610C8C93E}">
-  <ds:schemaRefs>
-    <ds:schemaRef ds:uri="http://schemas.microsoft.com/VisualStudio/2011/storyboarding/control"/>
-  </ds:schemaRefs>
-</ds:datastoreItem>
-</file>
-
-<file path=customXml/itemProps16.xml><?xml version="1.0" encoding="utf-8"?>
-<ds:datastoreItem xmlns:ds="http://schemas.openxmlformats.org/officeDocument/2006/customXml" ds:itemID="{05616930-00E9-419E-9C9E-66802063C018}">
-  <ds:schemaRefs>
-    <ds:schemaRef ds:uri="http://schemas.microsoft.com/VisualStudio/2011/storyboarding/control"/>
-  </ds:schemaRefs>
-</ds:datastoreItem>
-</file>
-
-<file path=customXml/itemProps17.xml><?xml version="1.0" encoding="utf-8"?>
+<file path=customXml/itemProps47.xml><?xml version="1.0" encoding="utf-8"?>
 <ds:datastoreItem xmlns:ds="http://schemas.openxmlformats.org/officeDocument/2006/customXml" ds:itemID="{9482D06E-D145-4884-B797-B9D121334A53}">
   <ds:schemaRefs>
     <ds:schemaRef ds:uri="http://schemas.microsoft.com/VisualStudio/2011/storyboarding/control"/>
@@ -16902,71 +17169,7 @@
 </ds:datastoreItem>
 </file>
 
-<file path=customXml/itemProps18.xml><?xml version="1.0" encoding="utf-8"?>
-<ds:datastoreItem xmlns:ds="http://schemas.openxmlformats.org/officeDocument/2006/customXml" ds:itemID="{56A05390-7D58-49FF-8369-3AA8063D6025}">
-  <ds:schemaRefs>
-    <ds:schemaRef ds:uri="http://schemas.microsoft.com/VisualStudio/2011/storyboarding/control"/>
-  </ds:schemaRefs>
-</ds:datastoreItem>
-</file>
-
-<file path=customXml/itemProps19.xml><?xml version="1.0" encoding="utf-8"?>
-<ds:datastoreItem xmlns:ds="http://schemas.openxmlformats.org/officeDocument/2006/customXml" ds:itemID="{2AD08BF1-FC3F-4FD1-B252-4A0D98F43508}">
-  <ds:schemaRefs>
-    <ds:schemaRef ds:uri="http://schemas.microsoft.com/VisualStudio/2011/storyboarding/control"/>
-  </ds:schemaRefs>
-</ds:datastoreItem>
-</file>
-
-<file path=customXml/itemProps2.xml><?xml version="1.0" encoding="utf-8"?>
-<ds:datastoreItem xmlns:ds="http://schemas.openxmlformats.org/officeDocument/2006/customXml" ds:itemID="{6FDAF948-4318-448E-AAA2-097A8C4C67AB}">
-  <ds:schemaRefs>
-    <ds:schemaRef ds:uri="http://schemas.microsoft.com/VisualStudio/2011/storyboarding/control"/>
-  </ds:schemaRefs>
-</ds:datastoreItem>
-</file>
-
-<file path=customXml/itemProps20.xml><?xml version="1.0" encoding="utf-8"?>
-<ds:datastoreItem xmlns:ds="http://schemas.openxmlformats.org/officeDocument/2006/customXml" ds:itemID="{BF83BAA4-7603-4E40-BF43-7B8EB2DBCC13}">
-  <ds:schemaRefs>
-    <ds:schemaRef ds:uri="http://schemas.microsoft.com/VisualStudio/2011/storyboarding/control"/>
-  </ds:schemaRefs>
-</ds:datastoreItem>
-</file>
-
-<file path=customXml/itemProps21.xml><?xml version="1.0" encoding="utf-8"?>
-<ds:datastoreItem xmlns:ds="http://schemas.openxmlformats.org/officeDocument/2006/customXml" ds:itemID="{601B5EE9-A336-47AE-8F46-F70DDF8116E5}">
-  <ds:schemaRefs>
-    <ds:schemaRef ds:uri="http://schemas.microsoft.com/VisualStudio/2011/storyboarding/control"/>
-  </ds:schemaRefs>
-</ds:datastoreItem>
-</file>
-
-<file path=customXml/itemProps22.xml><?xml version="1.0" encoding="utf-8"?>
-<ds:datastoreItem xmlns:ds="http://schemas.openxmlformats.org/officeDocument/2006/customXml" ds:itemID="{A3B3D6E3-D488-47AE-B00F-790941B42B49}">
-  <ds:schemaRefs>
-    <ds:schemaRef ds:uri="http://schemas.microsoft.com/VisualStudio/2011/storyboarding/control"/>
-  </ds:schemaRefs>
-</ds:datastoreItem>
-</file>
-
-<file path=customXml/itemProps23.xml><?xml version="1.0" encoding="utf-8"?>
-<ds:datastoreItem xmlns:ds="http://schemas.openxmlformats.org/officeDocument/2006/customXml" ds:itemID="{E8E16B47-527F-460C-A8CF-8EFFB051887E}">
-  <ds:schemaRefs>
-    <ds:schemaRef ds:uri="http://schemas.microsoft.com/VisualStudio/2011/storyboarding/control"/>
-  </ds:schemaRefs>
-</ds:datastoreItem>
-</file>
-
-<file path=customXml/itemProps24.xml><?xml version="1.0" encoding="utf-8"?>
-<ds:datastoreItem xmlns:ds="http://schemas.openxmlformats.org/officeDocument/2006/customXml" ds:itemID="{F6379A78-9ED3-4E6E-8FB9-B69777DBCC90}">
-  <ds:schemaRefs>
-    <ds:schemaRef ds:uri="http://schemas.microsoft.com/VisualStudio/2011/storyboarding/control"/>
-  </ds:schemaRefs>
-</ds:datastoreItem>
-</file>
-
-<file path=customXml/itemProps25.xml><?xml version="1.0" encoding="utf-8"?>
+<file path=customXml/itemProps48.xml><?xml version="1.0" encoding="utf-8"?>
 <ds:datastoreItem xmlns:ds="http://schemas.openxmlformats.org/officeDocument/2006/customXml" ds:itemID="{ACD5070E-1D94-48CA-9053-79D076328F53}">
   <ds:schemaRefs>
     <ds:schemaRef ds:uri="http://schemas.microsoft.com/VisualStudio/2011/storyboarding/control"/>
@@ -16974,71 +17177,7 @@
 </ds:datastoreItem>
 </file>
 
-<file path=customXml/itemProps26.xml><?xml version="1.0" encoding="utf-8"?>
-<ds:datastoreItem xmlns:ds="http://schemas.openxmlformats.org/officeDocument/2006/customXml" ds:itemID="{663EAE25-D995-45FE-A969-480E2BE4879B}">
-  <ds:schemaRefs>
-    <ds:schemaRef ds:uri="http://schemas.microsoft.com/VisualStudio/2011/storyboarding/control"/>
-  </ds:schemaRefs>
-</ds:datastoreItem>
-</file>
-
-<file path=customXml/itemProps27.xml><?xml version="1.0" encoding="utf-8"?>
-<ds:datastoreItem xmlns:ds="http://schemas.openxmlformats.org/officeDocument/2006/customXml" ds:itemID="{4F198A18-84AA-4D4F-91F9-02E87433ECC8}">
-  <ds:schemaRefs>
-    <ds:schemaRef ds:uri="http://schemas.microsoft.com/VisualStudio/2011/storyboarding/control"/>
-  </ds:schemaRefs>
-</ds:datastoreItem>
-</file>
-
-<file path=customXml/itemProps28.xml><?xml version="1.0" encoding="utf-8"?>
-<ds:datastoreItem xmlns:ds="http://schemas.openxmlformats.org/officeDocument/2006/customXml" ds:itemID="{E998AAD8-2AEF-4B24-92E1-07FF3771E4E2}">
-  <ds:schemaRefs>
-    <ds:schemaRef ds:uri="http://schemas.microsoft.com/VisualStudio/2011/storyboarding/control"/>
-  </ds:schemaRefs>
-</ds:datastoreItem>
-</file>
-
-<file path=customXml/itemProps29.xml><?xml version="1.0" encoding="utf-8"?>
-<ds:datastoreItem xmlns:ds="http://schemas.openxmlformats.org/officeDocument/2006/customXml" ds:itemID="{BD4C0FA5-BE41-444E-A58F-13B9710A3740}">
-  <ds:schemaRefs>
-    <ds:schemaRef ds:uri="http://schemas.microsoft.com/VisualStudio/2011/storyboarding/control"/>
-  </ds:schemaRefs>
-</ds:datastoreItem>
-</file>
-
-<file path=customXml/itemProps3.xml><?xml version="1.0" encoding="utf-8"?>
-<ds:datastoreItem xmlns:ds="http://schemas.openxmlformats.org/officeDocument/2006/customXml" ds:itemID="{692DF9AE-8581-4162-A653-46D9A71C9081}">
-  <ds:schemaRefs>
-    <ds:schemaRef ds:uri="http://schemas.microsoft.com/VisualStudio/2011/storyboarding/control"/>
-  </ds:schemaRefs>
-</ds:datastoreItem>
-</file>
-
-<file path=customXml/itemProps30.xml><?xml version="1.0" encoding="utf-8"?>
-<ds:datastoreItem xmlns:ds="http://schemas.openxmlformats.org/officeDocument/2006/customXml" ds:itemID="{5D1145E7-C742-4FCA-88CD-CA4C99BDA974}">
-  <ds:schemaRefs>
-    <ds:schemaRef ds:uri="http://schemas.microsoft.com/VisualStudio/2011/storyboarding/control"/>
-  </ds:schemaRefs>
-</ds:datastoreItem>
-</file>
-
-<file path=customXml/itemProps31.xml><?xml version="1.0" encoding="utf-8"?>
-<ds:datastoreItem xmlns:ds="http://schemas.openxmlformats.org/officeDocument/2006/customXml" ds:itemID="{4E826C96-6D66-4097-9F07-E9EED5848D4D}">
-  <ds:schemaRefs>
-    <ds:schemaRef ds:uri="http://schemas.microsoft.com/VisualStudio/2011/storyboarding/control"/>
-  </ds:schemaRefs>
-</ds:datastoreItem>
-</file>
-
-<file path=customXml/itemProps32.xml><?xml version="1.0" encoding="utf-8"?>
-<ds:datastoreItem xmlns:ds="http://schemas.openxmlformats.org/officeDocument/2006/customXml" ds:itemID="{80797D30-58B7-45DE-8118-E4A31971BC1C}">
-  <ds:schemaRefs>
-    <ds:schemaRef ds:uri="http://schemas.microsoft.com/VisualStudio/2011/storyboarding/control"/>
-  </ds:schemaRefs>
-</ds:datastoreItem>
-</file>
-
-<file path=customXml/itemProps33.xml><?xml version="1.0" encoding="utf-8"?>
+<file path=customXml/itemProps49.xml><?xml version="1.0" encoding="utf-8"?>
 <ds:datastoreItem xmlns:ds="http://schemas.openxmlformats.org/officeDocument/2006/customXml" ds:itemID="{5047D001-EB49-48B0-A77B-C527DDF76C3E}">
   <ds:schemaRefs>
     <ds:schemaRef ds:uri="http://purl.org/dc/elements/1.1/"/>
@@ -17054,7 +17193,7 @@
 </ds:datastoreItem>
 </file>
 
-<file path=customXml/itemProps34.xml><?xml version="1.0" encoding="utf-8"?>
+<file path=customXml/itemProps5.xml><?xml version="1.0" encoding="utf-8"?>
 <ds:datastoreItem xmlns:ds="http://schemas.openxmlformats.org/officeDocument/2006/customXml" ds:itemID="{DE7773D0-2632-4C03-AF26-DE3DAAC086FD}">
   <ds:schemaRefs>
     <ds:schemaRef ds:uri="http://schemas.microsoft.com/office/2006/metadata/contentType"/>
@@ -17072,15 +17211,111 @@
 </ds:datastoreItem>
 </file>
 
-<file path=customXml/itemProps35.xml><?xml version="1.0" encoding="utf-8"?>
-<ds:datastoreItem xmlns:ds="http://schemas.openxmlformats.org/officeDocument/2006/customXml" ds:itemID="{8406A2C0-D3E9-485E-A7DC-1B413A190265}">
+<file path=customXml/itemProps50.xml><?xml version="1.0" encoding="utf-8"?>
+<ds:datastoreItem xmlns:ds="http://schemas.openxmlformats.org/officeDocument/2006/customXml" ds:itemID="{414C37EE-FD98-492B-B792-EA583AE839C4}">
   <ds:schemaRefs>
     <ds:schemaRef ds:uri="http://schemas.microsoft.com/VisualStudio/2011/storyboarding/control"/>
   </ds:schemaRefs>
 </ds:datastoreItem>
 </file>
 
-<file path=customXml/itemProps36.xml><?xml version="1.0" encoding="utf-8"?>
+<file path=customXml/itemProps51.xml><?xml version="1.0" encoding="utf-8"?>
+<ds:datastoreItem xmlns:ds="http://schemas.openxmlformats.org/officeDocument/2006/customXml" ds:itemID="{9257A5E2-1966-4801-AB7F-EA07B56FB594}">
+  <ds:schemaRefs>
+    <ds:schemaRef ds:uri="http://schemas.microsoft.com/VisualStudio/2011/storyboarding/control"/>
+  </ds:schemaRefs>
+</ds:datastoreItem>
+</file>
+
+<file path=customXml/itemProps52.xml><?xml version="1.0" encoding="utf-8"?>
+<ds:datastoreItem xmlns:ds="http://schemas.openxmlformats.org/officeDocument/2006/customXml" ds:itemID="{90381A68-7308-4EDA-AAF9-D5EF1917873C}">
+  <ds:schemaRefs>
+    <ds:schemaRef ds:uri="http://schemas.microsoft.com/VisualStudio/2011/storyboarding/control"/>
+  </ds:schemaRefs>
+</ds:datastoreItem>
+</file>
+
+<file path=customXml/itemProps53.xml><?xml version="1.0" encoding="utf-8"?>
+<ds:datastoreItem xmlns:ds="http://schemas.openxmlformats.org/officeDocument/2006/customXml" ds:itemID="{BF83BAA4-7603-4E40-BF43-7B8EB2DBCC13}">
+  <ds:schemaRefs>
+    <ds:schemaRef ds:uri="http://schemas.microsoft.com/VisualStudio/2011/storyboarding/control"/>
+  </ds:schemaRefs>
+</ds:datastoreItem>
+</file>
+
+<file path=customXml/itemProps54.xml><?xml version="1.0" encoding="utf-8"?>
+<ds:datastoreItem xmlns:ds="http://schemas.openxmlformats.org/officeDocument/2006/customXml" ds:itemID="{368AD440-A676-4584-99FE-D2E00CCF4C31}">
+  <ds:schemaRefs>
+    <ds:schemaRef ds:uri="http://schemas.microsoft.com/VisualStudio/2011/storyboarding/control"/>
+  </ds:schemaRefs>
+</ds:datastoreItem>
+</file>
+
+<file path=customXml/itemProps55.xml><?xml version="1.0" encoding="utf-8"?>
+<ds:datastoreItem xmlns:ds="http://schemas.openxmlformats.org/officeDocument/2006/customXml" ds:itemID="{8A5CE8F3-7E36-4468-BA31-3BF53643E0DD}">
+  <ds:schemaRefs>
+    <ds:schemaRef ds:uri="http://schemas.microsoft.com/VisualStudio/2011/storyboarding/control"/>
+  </ds:schemaRefs>
+</ds:datastoreItem>
+</file>
+
+<file path=customXml/itemProps56.xml><?xml version="1.0" encoding="utf-8"?>
+<ds:datastoreItem xmlns:ds="http://schemas.openxmlformats.org/officeDocument/2006/customXml" ds:itemID="{209B4C89-C1A9-4638-AC0C-D9274090A1E0}">
+  <ds:schemaRefs>
+    <ds:schemaRef ds:uri="http://schemas.microsoft.com/VisualStudio/2011/storyboarding/control"/>
+  </ds:schemaRefs>
+</ds:datastoreItem>
+</file>
+
+<file path=customXml/itemProps57.xml><?xml version="1.0" encoding="utf-8"?>
+<ds:datastoreItem xmlns:ds="http://schemas.openxmlformats.org/officeDocument/2006/customXml" ds:itemID="{7C52B786-ECAE-4127-8D5A-9D5737CDA9AE}">
+  <ds:schemaRefs>
+    <ds:schemaRef ds:uri="http://schemas.microsoft.com/VisualStudio/2011/storyboarding/control"/>
+  </ds:schemaRefs>
+</ds:datastoreItem>
+</file>
+
+<file path=customXml/itemProps58.xml><?xml version="1.0" encoding="utf-8"?>
+<ds:datastoreItem xmlns:ds="http://schemas.openxmlformats.org/officeDocument/2006/customXml" ds:itemID="{4A791FCF-E011-4735-BE57-2F4C67F81343}">
+  <ds:schemaRefs>
+    <ds:schemaRef ds:uri="http://schemas.microsoft.com/VisualStudio/2011/storyboarding/control"/>
+  </ds:schemaRefs>
+</ds:datastoreItem>
+</file>
+
+<file path=customXml/itemProps59.xml><?xml version="1.0" encoding="utf-8"?>
+<ds:datastoreItem xmlns:ds="http://schemas.openxmlformats.org/officeDocument/2006/customXml" ds:itemID="{30C0E41E-7E65-476D-9141-293610C8C93E}">
+  <ds:schemaRefs>
+    <ds:schemaRef ds:uri="http://schemas.microsoft.com/VisualStudio/2011/storyboarding/control"/>
+  </ds:schemaRefs>
+</ds:datastoreItem>
+</file>
+
+<file path=customXml/itemProps6.xml><?xml version="1.0" encoding="utf-8"?>
+<ds:datastoreItem xmlns:ds="http://schemas.openxmlformats.org/officeDocument/2006/customXml" ds:itemID="{ED37A6BE-1905-4141-83ED-28B916D2FE36}">
+  <ds:schemaRefs>
+    <ds:schemaRef ds:uri="http://schemas.microsoft.com/VisualStudio/2011/storyboarding/control"/>
+  </ds:schemaRefs>
+</ds:datastoreItem>
+</file>
+
+<file path=customXml/itemProps60.xml><?xml version="1.0" encoding="utf-8"?>
+<ds:datastoreItem xmlns:ds="http://schemas.openxmlformats.org/officeDocument/2006/customXml" ds:itemID="{E8E16B47-527F-460C-A8CF-8EFFB051887E}">
+  <ds:schemaRefs>
+    <ds:schemaRef ds:uri="http://schemas.microsoft.com/VisualStudio/2011/storyboarding/control"/>
+  </ds:schemaRefs>
+</ds:datastoreItem>
+</file>
+
+<file path=customXml/itemProps61.xml><?xml version="1.0" encoding="utf-8"?>
+<ds:datastoreItem xmlns:ds="http://schemas.openxmlformats.org/officeDocument/2006/customXml" ds:itemID="{E998AAD8-2AEF-4B24-92E1-07FF3771E4E2}">
+  <ds:schemaRefs>
+    <ds:schemaRef ds:uri="http://schemas.microsoft.com/VisualStudio/2011/storyboarding/control"/>
+  </ds:schemaRefs>
+</ds:datastoreItem>
+</file>
+
+<file path=customXml/itemProps62.xml><?xml version="1.0" encoding="utf-8"?>
 <ds:datastoreItem xmlns:ds="http://schemas.openxmlformats.org/officeDocument/2006/customXml" ds:itemID="{1A616033-A9D4-4F27-8019-D5F016F25514}">
   <ds:schemaRefs>
     <ds:schemaRef ds:uri="http://schemas.microsoft.com/VisualStudio/2011/storyboarding/control"/>
@@ -17088,95 +17323,31 @@
 </ds:datastoreItem>
 </file>
 
-<file path=customXml/itemProps37.xml><?xml version="1.0" encoding="utf-8"?>
-<ds:datastoreItem xmlns:ds="http://schemas.openxmlformats.org/officeDocument/2006/customXml" ds:itemID="{4BA2F418-AC6A-43F8-B114-1E6040197810}">
+<file path=customXml/itemProps63.xml><?xml version="1.0" encoding="utf-8"?>
+<ds:datastoreItem xmlns:ds="http://schemas.openxmlformats.org/officeDocument/2006/customXml" ds:itemID="{8B78FDD9-91AB-4FC3-A83F-902B4925CD15}">
   <ds:schemaRefs>
     <ds:schemaRef ds:uri="http://schemas.microsoft.com/VisualStudio/2011/storyboarding/control"/>
   </ds:schemaRefs>
 </ds:datastoreItem>
 </file>
 
-<file path=customXml/itemProps38.xml><?xml version="1.0" encoding="utf-8"?>
-<ds:datastoreItem xmlns:ds="http://schemas.openxmlformats.org/officeDocument/2006/customXml" ds:itemID="{414C37EE-FD98-492B-B792-EA583AE839C4}">
+<file path=customXml/itemProps64.xml><?xml version="1.0" encoding="utf-8"?>
+<ds:datastoreItem xmlns:ds="http://schemas.openxmlformats.org/officeDocument/2006/customXml" ds:itemID="{6792B212-7B1B-46DA-A58C-31D3BDD763B6}">
   <ds:schemaRefs>
     <ds:schemaRef ds:uri="http://schemas.microsoft.com/VisualStudio/2011/storyboarding/control"/>
   </ds:schemaRefs>
 </ds:datastoreItem>
 </file>
 
-<file path=customXml/itemProps39.xml><?xml version="1.0" encoding="utf-8"?>
-<ds:datastoreItem xmlns:ds="http://schemas.openxmlformats.org/officeDocument/2006/customXml" ds:itemID="{E93850D7-0EF6-43A3-8F00-A8DF831BED81}">
+<file path=customXml/itemProps65.xml><?xml version="1.0" encoding="utf-8"?>
+<ds:datastoreItem xmlns:ds="http://schemas.openxmlformats.org/officeDocument/2006/customXml" ds:itemID="{F69CDB88-D0A7-4521-8343-EADDC429580F}">
   <ds:schemaRefs>
     <ds:schemaRef ds:uri="http://schemas.microsoft.com/VisualStudio/2011/storyboarding/control"/>
   </ds:schemaRefs>
 </ds:datastoreItem>
 </file>
 
-<file path=customXml/itemProps4.xml><?xml version="1.0" encoding="utf-8"?>
-<ds:datastoreItem xmlns:ds="http://schemas.openxmlformats.org/officeDocument/2006/customXml" ds:itemID="{8AB8CF82-0D61-490E-A6AD-6D2294B353F5}">
-  <ds:schemaRefs>
-    <ds:schemaRef ds:uri="http://schemas.microsoft.com/VisualStudio/2011/storyboarding/control"/>
-  </ds:schemaRefs>
-</ds:datastoreItem>
-</file>
-
-<file path=customXml/itemProps40.xml><?xml version="1.0" encoding="utf-8"?>
-<ds:datastoreItem xmlns:ds="http://schemas.openxmlformats.org/officeDocument/2006/customXml" ds:itemID="{49F22B53-3182-4900-82E5-B9AF3F3A2CBF}">
-  <ds:schemaRefs>
-    <ds:schemaRef ds:uri="http://schemas.microsoft.com/VisualStudio/2011/storyboarding/control"/>
-  </ds:schemaRefs>
-</ds:datastoreItem>
-</file>
-
-<file path=customXml/itemProps41.xml><?xml version="1.0" encoding="utf-8"?>
-<ds:datastoreItem xmlns:ds="http://schemas.openxmlformats.org/officeDocument/2006/customXml" ds:itemID="{368AD440-A676-4584-99FE-D2E00CCF4C31}">
-  <ds:schemaRefs>
-    <ds:schemaRef ds:uri="http://schemas.microsoft.com/VisualStudio/2011/storyboarding/control"/>
-  </ds:schemaRefs>
-</ds:datastoreItem>
-</file>
-
-<file path=customXml/itemProps42.xml><?xml version="1.0" encoding="utf-8"?>
-<ds:datastoreItem xmlns:ds="http://schemas.openxmlformats.org/officeDocument/2006/customXml" ds:itemID="{ED37A6BE-1905-4141-83ED-28B916D2FE36}">
-  <ds:schemaRefs>
-    <ds:schemaRef ds:uri="http://schemas.microsoft.com/VisualStudio/2011/storyboarding/control"/>
-  </ds:schemaRefs>
-</ds:datastoreItem>
-</file>
-
-<file path=customXml/itemProps43.xml><?xml version="1.0" encoding="utf-8"?>
-<ds:datastoreItem xmlns:ds="http://schemas.openxmlformats.org/officeDocument/2006/customXml" ds:itemID="{C2FA8E4B-D54B-4B66-A7DD-B76F9D624E01}">
-  <ds:schemaRefs>
-    <ds:schemaRef ds:uri="http://schemas.microsoft.com/VisualStudio/2011/storyboarding/control"/>
-  </ds:schemaRefs>
-</ds:datastoreItem>
-</file>
-
-<file path=customXml/itemProps44.xml><?xml version="1.0" encoding="utf-8"?>
-<ds:datastoreItem xmlns:ds="http://schemas.openxmlformats.org/officeDocument/2006/customXml" ds:itemID="{6E7884C0-8EF3-4DE1-B211-757DBF410696}">
-  <ds:schemaRefs>
-    <ds:schemaRef ds:uri="http://schemas.microsoft.com/VisualStudio/2011/storyboarding/control"/>
-  </ds:schemaRefs>
-</ds:datastoreItem>
-</file>
-
-<file path=customXml/itemProps45.xml><?xml version="1.0" encoding="utf-8"?>
-<ds:datastoreItem xmlns:ds="http://schemas.openxmlformats.org/officeDocument/2006/customXml" ds:itemID="{0C40ABEC-9A43-4EDA-8C55-D368872600D2}">
-  <ds:schemaRefs>
-    <ds:schemaRef ds:uri="http://schemas.microsoft.com/VisualStudio/2011/storyboarding/control"/>
-  </ds:schemaRefs>
-</ds:datastoreItem>
-</file>
-
-<file path=customXml/itemProps46.xml><?xml version="1.0" encoding="utf-8"?>
-<ds:datastoreItem xmlns:ds="http://schemas.openxmlformats.org/officeDocument/2006/customXml" ds:itemID="{9257A5E2-1966-4801-AB7F-EA07B56FB594}">
-  <ds:schemaRefs>
-    <ds:schemaRef ds:uri="http://schemas.microsoft.com/VisualStudio/2011/storyboarding/control"/>
-  </ds:schemaRefs>
-</ds:datastoreItem>
-</file>
-
-<file path=customXml/itemProps47.xml><?xml version="1.0" encoding="utf-8"?>
+<file path=customXml/itemProps7.xml><?xml version="1.0" encoding="utf-8"?>
 <ds:datastoreItem xmlns:ds="http://schemas.openxmlformats.org/officeDocument/2006/customXml" ds:itemID="{C46743ED-07AA-4033-A400-780642B1BB20}">
   <ds:schemaRefs>
     <ds:schemaRef ds:uri="http://schemas.microsoft.com/VisualStudio/2011/storyboarding/control"/>
@@ -17184,31 +17355,7 @@
 </ds:datastoreItem>
 </file>
 
-<file path=customXml/itemProps48.xml><?xml version="1.0" encoding="utf-8"?>
-<ds:datastoreItem xmlns:ds="http://schemas.openxmlformats.org/officeDocument/2006/customXml" ds:itemID="{F02C59BC-1F80-405C-96CB-418D67CD2642}">
-  <ds:schemaRefs>
-    <ds:schemaRef ds:uri="http://schemas.microsoft.com/VisualStudio/2011/storyboarding/control"/>
-  </ds:schemaRefs>
-</ds:datastoreItem>
-</file>
-
-<file path=customXml/itemProps49.xml><?xml version="1.0" encoding="utf-8"?>
-<ds:datastoreItem xmlns:ds="http://schemas.openxmlformats.org/officeDocument/2006/customXml" ds:itemID="{8B78FDD9-91AB-4FC3-A83F-902B4925CD15}">
-  <ds:schemaRefs>
-    <ds:schemaRef ds:uri="http://schemas.microsoft.com/VisualStudio/2011/storyboarding/control"/>
-  </ds:schemaRefs>
-</ds:datastoreItem>
-</file>
-
-<file path=customXml/itemProps5.xml><?xml version="1.0" encoding="utf-8"?>
-<ds:datastoreItem xmlns:ds="http://schemas.openxmlformats.org/officeDocument/2006/customXml" ds:itemID="{EB793683-B4E9-4284-B1DB-FC2E40CF5428}">
-  <ds:schemaRefs>
-    <ds:schemaRef ds:uri="http://schemas.microsoft.com/VisualStudio/2011/storyboarding/control"/>
-  </ds:schemaRefs>
-</ds:datastoreItem>
-</file>
-
-<file path=customXml/itemProps50.xml><?xml version="1.0" encoding="utf-8"?>
+<file path=customXml/itemProps8.xml><?xml version="1.0" encoding="utf-8"?>
 <ds:datastoreItem xmlns:ds="http://schemas.openxmlformats.org/officeDocument/2006/customXml" ds:itemID="{B3FD3F3D-6F66-4A3A-9E64-F79988C55AB9}">
   <ds:schemaRefs>
     <ds:schemaRef ds:uri="http://schemas.microsoft.com/VisualStudio/2011/storyboarding/control"/>
@@ -17216,154 +17363,10 @@
 </ds:datastoreItem>
 </file>
 
-<file path=customXml/itemProps51.xml><?xml version="1.0" encoding="utf-8"?>
-<ds:datastoreItem xmlns:ds="http://schemas.openxmlformats.org/officeDocument/2006/customXml" ds:itemID="{7DC0324A-2895-4F78-ACB1-122E59C406D8}">
-  <ds:schemaRefs>
-    <ds:schemaRef ds:uri="http://schemas.microsoft.com/VisualStudio/2011/storyboarding/control"/>
-  </ds:schemaRefs>
-</ds:datastoreItem>
-</file>
-
-<file path=customXml/itemProps52.xml><?xml version="1.0" encoding="utf-8"?>
-<ds:datastoreItem xmlns:ds="http://schemas.openxmlformats.org/officeDocument/2006/customXml" ds:itemID="{9391F4EB-9A55-4063-B82B-E36B9CF74635}">
-  <ds:schemaRefs>
-    <ds:schemaRef ds:uri="http://schemas.microsoft.com/VisualStudio/2011/storyboarding/control"/>
-  </ds:schemaRefs>
-</ds:datastoreItem>
-</file>
-
-<file path=customXml/itemProps53.xml><?xml version="1.0" encoding="utf-8"?>
-<ds:datastoreItem xmlns:ds="http://schemas.openxmlformats.org/officeDocument/2006/customXml" ds:itemID="{298B1941-34FB-41C9-8F1B-ED08BA23DC4A}">
-  <ds:schemaRefs>
-    <ds:schemaRef ds:uri="http://schemas.microsoft.com/VisualStudio/2011/storyboarding/control"/>
-  </ds:schemaRefs>
-</ds:datastoreItem>
-</file>
-
-<file path=customXml/itemProps54.xml><?xml version="1.0" encoding="utf-8"?>
-<ds:datastoreItem xmlns:ds="http://schemas.openxmlformats.org/officeDocument/2006/customXml" ds:itemID="{8A5CE8F3-7E36-4468-BA31-3BF53643E0DD}">
-  <ds:schemaRefs>
-    <ds:schemaRef ds:uri="http://schemas.microsoft.com/VisualStudio/2011/storyboarding/control"/>
-  </ds:schemaRefs>
-</ds:datastoreItem>
-</file>
-
-<file path=customXml/itemProps55.xml><?xml version="1.0" encoding="utf-8"?>
+<file path=customXml/itemProps9.xml><?xml version="1.0" encoding="utf-8"?>
 <ds:datastoreItem xmlns:ds="http://schemas.openxmlformats.org/officeDocument/2006/customXml" ds:itemID="{4CC690C0-EFB5-42DD-9CCF-6384754B315D}">
   <ds:schemaRefs>
     <ds:schemaRef ds:uri="http://schemas.microsoft.com/VisualStudio/2011/storyboarding/control"/>
   </ds:schemaRefs>
 </ds:datastoreItem>
-</file>
-
-<file path=customXml/itemProps56.xml><?xml version="1.0" encoding="utf-8"?>
-<ds:datastoreItem xmlns:ds="http://schemas.openxmlformats.org/officeDocument/2006/customXml" ds:itemID="{A0FDD899-C562-4DDE-9AFF-49B7BB8425B5}">
-  <ds:schemaRefs>
-    <ds:schemaRef ds:uri="http://schemas.microsoft.com/VisualStudio/2011/storyboarding/control"/>
-  </ds:schemaRefs>
-</ds:datastoreItem>
-</file>
-
-<file path=customXml/itemProps57.xml><?xml version="1.0" encoding="utf-8"?>
-<ds:datastoreItem xmlns:ds="http://schemas.openxmlformats.org/officeDocument/2006/customXml" ds:itemID="{6792B212-7B1B-46DA-A58C-31D3BDD763B6}">
-  <ds:schemaRefs>
-    <ds:schemaRef ds:uri="http://schemas.microsoft.com/VisualStudio/2011/storyboarding/control"/>
-  </ds:schemaRefs>
-</ds:datastoreItem>
-</file>
-
-<file path=customXml/itemProps58.xml><?xml version="1.0" encoding="utf-8"?>
-<ds:datastoreItem xmlns:ds="http://schemas.openxmlformats.org/officeDocument/2006/customXml" ds:itemID="{9154F7C1-092D-4E40-9A2A-64D989284028}">
-  <ds:schemaRefs>
-    <ds:schemaRef ds:uri="http://schemas.microsoft.com/VisualStudio/2011/storyboarding/control"/>
-  </ds:schemaRefs>
-</ds:datastoreItem>
-</file>
-
-<file path=customXml/itemProps59.xml><?xml version="1.0" encoding="utf-8"?>
-<ds:datastoreItem xmlns:ds="http://schemas.openxmlformats.org/officeDocument/2006/customXml" ds:itemID="{90381A68-7308-4EDA-AAF9-D5EF1917873C}">
-  <ds:schemaRefs>
-    <ds:schemaRef ds:uri="http://schemas.microsoft.com/VisualStudio/2011/storyboarding/control"/>
-  </ds:schemaRefs>
-</ds:datastoreItem>
-</file>
-
-<file path=customXml/itemProps6.xml><?xml version="1.0" encoding="utf-8"?>
-<ds:datastoreItem xmlns:ds="http://schemas.openxmlformats.org/officeDocument/2006/customXml" ds:itemID="{4A791FCF-E011-4735-BE57-2F4C67F81343}">
-  <ds:schemaRefs>
-    <ds:schemaRef ds:uri="http://schemas.microsoft.com/VisualStudio/2011/storyboarding/control"/>
-  </ds:schemaRefs>
-</ds:datastoreItem>
-</file>
-
-<file path=customXml/itemProps60.xml><?xml version="1.0" encoding="utf-8"?>
-<ds:datastoreItem xmlns:ds="http://schemas.openxmlformats.org/officeDocument/2006/customXml" ds:itemID="{F9BF860A-3B46-4442-99D7-F61AF54EBDAA}">
-  <ds:schemaRefs>
-    <ds:schemaRef ds:uri="http://schemas.microsoft.com/VisualStudio/2011/storyboarding/control"/>
-  </ds:schemaRefs>
-</ds:datastoreItem>
-</file>
-
-<file path=customXml/itemProps61.xml><?xml version="1.0" encoding="utf-8"?>
-<ds:datastoreItem xmlns:ds="http://schemas.openxmlformats.org/officeDocument/2006/customXml" ds:itemID="{0749B68C-2563-4D7A-9F8E-382BE1E6AEA7}">
-  <ds:schemaRefs>
-    <ds:schemaRef ds:uri="http://schemas.microsoft.com/VisualStudio/2011/storyboarding/control"/>
-  </ds:schemaRefs>
-</ds:datastoreItem>
-</file>
-
-<file path=customXml/itemProps62.xml><?xml version="1.0" encoding="utf-8"?>
-<ds:datastoreItem xmlns:ds="http://schemas.openxmlformats.org/officeDocument/2006/customXml" ds:itemID="{209B4C89-C1A9-4638-AC0C-D9274090A1E0}">
-  <ds:schemaRefs>
-    <ds:schemaRef ds:uri="http://schemas.microsoft.com/VisualStudio/2011/storyboarding/control"/>
-  </ds:schemaRefs>
-</ds:datastoreItem>
-</file>
-
-<file path=customXml/itemProps63.xml><?xml version="1.0" encoding="utf-8"?>
-<ds:datastoreItem xmlns:ds="http://schemas.openxmlformats.org/officeDocument/2006/customXml" ds:itemID="{99785A80-8B36-4230-939B-0B1FF8C13FBE}">
-  <ds:schemaRefs>
-    <ds:schemaRef ds:uri="http://schemas.microsoft.com/VisualStudio/2011/storyboarding/control"/>
-  </ds:schemaRefs>
-</ds:datastoreItem>
-</file>
-
-<file path=customXml/itemProps64.xml><?xml version="1.0" encoding="utf-8"?>
-<ds:datastoreItem xmlns:ds="http://schemas.openxmlformats.org/officeDocument/2006/customXml" ds:itemID="{F4E2C373-23A8-4F58-9D2A-A3D6CB762EE6}">
-  <ds:schemaRefs>
-    <ds:schemaRef ds:uri="http://schemas.microsoft.com/sharepoint/v3/contenttype/forms"/>
-  </ds:schemaRefs>
-</ds:datastoreItem>
-</file>
-
-<file path=customXml/itemProps65.xml><?xml version="1.0" encoding="utf-8"?>
-<ds:datastoreItem xmlns:ds="http://schemas.openxmlformats.org/officeDocument/2006/customXml" ds:itemID="{FF6E2E3C-A1B1-4A42-AF94-388A57904285}">
-  <ds:schemaRefs>
-    <ds:schemaRef ds:uri="http://schemas.microsoft.com/VisualStudio/2011/storyboarding/control"/>
-  </ds:schemaRefs>
-</ds:datastoreItem>
-</file>
-
-<file path=customXml/itemProps7.xml><?xml version="1.0" encoding="utf-8"?>
-<ds:datastoreItem xmlns:ds="http://schemas.openxmlformats.org/officeDocument/2006/customXml" ds:itemID="{0FA550CC-3C5D-4798-9CC5-897A999B9FCF}">
-  <ds:schemaRefs>
-    <ds:schemaRef ds:uri="http://schemas.microsoft.com/VisualStudio/2011/storyboarding/control"/>
-  </ds:schemaRefs>
-</ds:datastoreItem>
-</file>
-
-<file path=customXml/itemProps8.xml><?xml version="1.0" encoding="utf-8"?>
-<ds:datastoreItem xmlns:ds="http://schemas.openxmlformats.org/officeDocument/2006/customXml" ds:itemID="{EAB8CB23-CF08-4E79-8A0E-90EE8083AFBE}">
-  <ds:schemaRefs>
-    <ds:schemaRef ds:uri="http://schemas.microsoft.com/VisualStudio/2011/storyboarding/control"/>
-  </ds:schemaRefs>
-</ds:datastoreItem>
-</file>
-
-<file path=customXml/itemProps9.xml><?xml version="1.0" encoding="utf-8"?>
-<ds:datastoreItem xmlns:ds="http://schemas.openxmlformats.org/officeDocument/2006/customXml" ds:itemID="{36C49E62-3F5C-4711-8A96-4F7C0AA57F87}">
-  <ds:schemaRefs>
-    <ds:schemaRef ds:uri="http://schemas.microsoft.com/VisualStudio/2011/storyboarding/control"/>
-  </ds:schemaRefs>
-</ds:datastoreItem>
 </file>